--- a/Documentation/build-monitor-presentation.pptx
+++ b/Documentation/build-monitor-presentation.pptx
@@ -6,11 +6,11 @@
   </p:sldMasterIdLst>
   <p:sldIdLst>
     <p:sldId id="256" r:id="rId2"/>
-    <p:sldId id="257" r:id="rId3"/>
-    <p:sldId id="258" r:id="rId4"/>
-    <p:sldId id="259" r:id="rId5"/>
-    <p:sldId id="260" r:id="rId6"/>
-    <p:sldId id="261" r:id="rId7"/>
+    <p:sldId id="261" r:id="rId3"/>
+    <p:sldId id="257" r:id="rId4"/>
+    <p:sldId id="258" r:id="rId5"/>
+    <p:sldId id="259" r:id="rId6"/>
+    <p:sldId id="260" r:id="rId7"/>
   </p:sldIdLst>
   <p:sldSz cx="12192000" cy="6858000"/>
   <p:notesSz cx="6858000" cy="9144000"/>
@@ -150,7 +150,7 @@
           <p:cNvPr id="2" name="Title 1">
             <a:extLst>
               <a:ext uri="{FF2B5EF4-FFF2-40B4-BE49-F238E27FC236}">
-                <a16:creationId xmlns:a16="http://schemas.microsoft.com/office/drawing/2014/main" id="{A3F13F76-E813-4FA2-9F9A-D2A0C01C2142}"/>
+                <a16:creationId xmlns:a16="http://schemas.microsoft.com/office/drawing/2014/main" xmlns="" id="{A3F13F76-E813-4FA2-9F9A-D2A0C01C2142}"/>
               </a:ext>
             </a:extLst>
           </p:cNvPr>
@@ -188,7 +188,7 @@
           <p:cNvPr id="3" name="Subtitle 2">
             <a:extLst>
               <a:ext uri="{FF2B5EF4-FFF2-40B4-BE49-F238E27FC236}">
-                <a16:creationId xmlns:a16="http://schemas.microsoft.com/office/drawing/2014/main" id="{8E54553B-D039-4641-8331-DBB490669D37}"/>
+                <a16:creationId xmlns:a16="http://schemas.microsoft.com/office/drawing/2014/main" xmlns="" id="{8E54553B-D039-4641-8331-DBB490669D37}"/>
               </a:ext>
             </a:extLst>
           </p:cNvPr>
@@ -259,7 +259,7 @@
           <p:cNvPr id="4" name="Date Placeholder 3">
             <a:extLst>
               <a:ext uri="{FF2B5EF4-FFF2-40B4-BE49-F238E27FC236}">
-                <a16:creationId xmlns:a16="http://schemas.microsoft.com/office/drawing/2014/main" id="{42ED2072-E957-45BD-9BB7-9DAEF522C29C}"/>
+                <a16:creationId xmlns:a16="http://schemas.microsoft.com/office/drawing/2014/main" xmlns="" id="{42ED2072-E957-45BD-9BB7-9DAEF522C29C}"/>
               </a:ext>
             </a:extLst>
           </p:cNvPr>
@@ -277,7 +277,7 @@
           <a:p>
             <a:fld id="{3C82E5D1-C0C0-4E97-9029-D6ABAF1D00A6}" type="datetimeFigureOut">
               <a:rPr lang="de-CH" smtClean="0"/>
-              <a:t>27.05.2019</a:t>
+              <a:t>27.05.19</a:t>
             </a:fld>
             <a:endParaRPr lang="de-CH"/>
           </a:p>
@@ -288,7 +288,7 @@
           <p:cNvPr id="5" name="Footer Placeholder 4">
             <a:extLst>
               <a:ext uri="{FF2B5EF4-FFF2-40B4-BE49-F238E27FC236}">
-                <a16:creationId xmlns:a16="http://schemas.microsoft.com/office/drawing/2014/main" id="{8FD643A1-BD89-4D62-B583-339BFE1C71C0}"/>
+                <a16:creationId xmlns:a16="http://schemas.microsoft.com/office/drawing/2014/main" xmlns="" id="{8FD643A1-BD89-4D62-B583-339BFE1C71C0}"/>
               </a:ext>
             </a:extLst>
           </p:cNvPr>
@@ -313,7 +313,7 @@
           <p:cNvPr id="6" name="Slide Number Placeholder 5">
             <a:extLst>
               <a:ext uri="{FF2B5EF4-FFF2-40B4-BE49-F238E27FC236}">
-                <a16:creationId xmlns:a16="http://schemas.microsoft.com/office/drawing/2014/main" id="{6E2DED0B-E5A5-4E68-8C97-3E8085E7B32A}"/>
+                <a16:creationId xmlns:a16="http://schemas.microsoft.com/office/drawing/2014/main" xmlns="" id="{6E2DED0B-E5A5-4E68-8C97-3E8085E7B32A}"/>
               </a:ext>
             </a:extLst>
           </p:cNvPr>
@@ -331,7 +331,7 @@
           <a:p>
             <a:fld id="{EA6DE812-8A96-4512-B2B2-8520F85F318D}" type="slidenum">
               <a:rPr lang="de-CH" smtClean="0"/>
-              <a:t>‹#›</a:t>
+              <a:t>‹Nr.›</a:t>
             </a:fld>
             <a:endParaRPr lang="de-CH"/>
           </a:p>
@@ -372,7 +372,7 @@
           <p:cNvPr id="2" name="Title 1">
             <a:extLst>
               <a:ext uri="{FF2B5EF4-FFF2-40B4-BE49-F238E27FC236}">
-                <a16:creationId xmlns:a16="http://schemas.microsoft.com/office/drawing/2014/main" id="{80E48006-6A80-46D2-8602-B76DBF18CC2C}"/>
+                <a16:creationId xmlns:a16="http://schemas.microsoft.com/office/drawing/2014/main" xmlns="" id="{80E48006-6A80-46D2-8602-B76DBF18CC2C}"/>
               </a:ext>
             </a:extLst>
           </p:cNvPr>
@@ -401,7 +401,7 @@
           <p:cNvPr id="3" name="Vertical Text Placeholder 2">
             <a:extLst>
               <a:ext uri="{FF2B5EF4-FFF2-40B4-BE49-F238E27FC236}">
-                <a16:creationId xmlns:a16="http://schemas.microsoft.com/office/drawing/2014/main" id="{F8ADD12C-F856-4E32-BA55-9D5287EACF70}"/>
+                <a16:creationId xmlns:a16="http://schemas.microsoft.com/office/drawing/2014/main" xmlns="" id="{F8ADD12C-F856-4E32-BA55-9D5287EACF70}"/>
               </a:ext>
             </a:extLst>
           </p:cNvPr>
@@ -459,7 +459,7 @@
           <p:cNvPr id="4" name="Date Placeholder 3">
             <a:extLst>
               <a:ext uri="{FF2B5EF4-FFF2-40B4-BE49-F238E27FC236}">
-                <a16:creationId xmlns:a16="http://schemas.microsoft.com/office/drawing/2014/main" id="{7A44B855-1ADD-42C4-9E41-76F5874382BD}"/>
+                <a16:creationId xmlns:a16="http://schemas.microsoft.com/office/drawing/2014/main" xmlns="" id="{7A44B855-1ADD-42C4-9E41-76F5874382BD}"/>
               </a:ext>
             </a:extLst>
           </p:cNvPr>
@@ -477,7 +477,7 @@
           <a:p>
             <a:fld id="{3C82E5D1-C0C0-4E97-9029-D6ABAF1D00A6}" type="datetimeFigureOut">
               <a:rPr lang="de-CH" smtClean="0"/>
-              <a:t>27.05.2019</a:t>
+              <a:t>27.05.19</a:t>
             </a:fld>
             <a:endParaRPr lang="de-CH"/>
           </a:p>
@@ -488,7 +488,7 @@
           <p:cNvPr id="5" name="Footer Placeholder 4">
             <a:extLst>
               <a:ext uri="{FF2B5EF4-FFF2-40B4-BE49-F238E27FC236}">
-                <a16:creationId xmlns:a16="http://schemas.microsoft.com/office/drawing/2014/main" id="{D9F93C4D-E7BB-4140-B9CD-5B3775270741}"/>
+                <a16:creationId xmlns:a16="http://schemas.microsoft.com/office/drawing/2014/main" xmlns="" id="{D9F93C4D-E7BB-4140-B9CD-5B3775270741}"/>
               </a:ext>
             </a:extLst>
           </p:cNvPr>
@@ -513,7 +513,7 @@
           <p:cNvPr id="6" name="Slide Number Placeholder 5">
             <a:extLst>
               <a:ext uri="{FF2B5EF4-FFF2-40B4-BE49-F238E27FC236}">
-                <a16:creationId xmlns:a16="http://schemas.microsoft.com/office/drawing/2014/main" id="{338797A6-FF03-47D3-BAF4-B8F45A2AD904}"/>
+                <a16:creationId xmlns:a16="http://schemas.microsoft.com/office/drawing/2014/main" xmlns="" id="{338797A6-FF03-47D3-BAF4-B8F45A2AD904}"/>
               </a:ext>
             </a:extLst>
           </p:cNvPr>
@@ -531,7 +531,7 @@
           <a:p>
             <a:fld id="{EA6DE812-8A96-4512-B2B2-8520F85F318D}" type="slidenum">
               <a:rPr lang="de-CH" smtClean="0"/>
-              <a:t>‹#›</a:t>
+              <a:t>‹Nr.›</a:t>
             </a:fld>
             <a:endParaRPr lang="de-CH"/>
           </a:p>
@@ -572,7 +572,7 @@
           <p:cNvPr id="2" name="Vertical Title 1">
             <a:extLst>
               <a:ext uri="{FF2B5EF4-FFF2-40B4-BE49-F238E27FC236}">
-                <a16:creationId xmlns:a16="http://schemas.microsoft.com/office/drawing/2014/main" id="{ABEDD241-4D08-4D6B-8B31-64FBBE286299}"/>
+                <a16:creationId xmlns:a16="http://schemas.microsoft.com/office/drawing/2014/main" xmlns="" id="{ABEDD241-4D08-4D6B-8B31-64FBBE286299}"/>
               </a:ext>
             </a:extLst>
           </p:cNvPr>
@@ -606,7 +606,7 @@
           <p:cNvPr id="3" name="Vertical Text Placeholder 2">
             <a:extLst>
               <a:ext uri="{FF2B5EF4-FFF2-40B4-BE49-F238E27FC236}">
-                <a16:creationId xmlns:a16="http://schemas.microsoft.com/office/drawing/2014/main" id="{A15FFA4E-4573-4E59-A64C-518FA17ED9AE}"/>
+                <a16:creationId xmlns:a16="http://schemas.microsoft.com/office/drawing/2014/main" xmlns="" id="{A15FFA4E-4573-4E59-A64C-518FA17ED9AE}"/>
               </a:ext>
             </a:extLst>
           </p:cNvPr>
@@ -669,7 +669,7 @@
           <p:cNvPr id="4" name="Date Placeholder 3">
             <a:extLst>
               <a:ext uri="{FF2B5EF4-FFF2-40B4-BE49-F238E27FC236}">
-                <a16:creationId xmlns:a16="http://schemas.microsoft.com/office/drawing/2014/main" id="{031906D3-7E18-4504-B927-6BAEF1E85BC6}"/>
+                <a16:creationId xmlns:a16="http://schemas.microsoft.com/office/drawing/2014/main" xmlns="" id="{031906D3-7E18-4504-B927-6BAEF1E85BC6}"/>
               </a:ext>
             </a:extLst>
           </p:cNvPr>
@@ -687,7 +687,7 @@
           <a:p>
             <a:fld id="{3C82E5D1-C0C0-4E97-9029-D6ABAF1D00A6}" type="datetimeFigureOut">
               <a:rPr lang="de-CH" smtClean="0"/>
-              <a:t>27.05.2019</a:t>
+              <a:t>27.05.19</a:t>
             </a:fld>
             <a:endParaRPr lang="de-CH"/>
           </a:p>
@@ -698,7 +698,7 @@
           <p:cNvPr id="5" name="Footer Placeholder 4">
             <a:extLst>
               <a:ext uri="{FF2B5EF4-FFF2-40B4-BE49-F238E27FC236}">
-                <a16:creationId xmlns:a16="http://schemas.microsoft.com/office/drawing/2014/main" id="{5ECD4344-7BA3-4575-9F4D-E325B9D8EF20}"/>
+                <a16:creationId xmlns:a16="http://schemas.microsoft.com/office/drawing/2014/main" xmlns="" id="{5ECD4344-7BA3-4575-9F4D-E325B9D8EF20}"/>
               </a:ext>
             </a:extLst>
           </p:cNvPr>
@@ -723,7 +723,7 @@
           <p:cNvPr id="6" name="Slide Number Placeholder 5">
             <a:extLst>
               <a:ext uri="{FF2B5EF4-FFF2-40B4-BE49-F238E27FC236}">
-                <a16:creationId xmlns:a16="http://schemas.microsoft.com/office/drawing/2014/main" id="{964D712A-AC77-4063-83E2-AAB4BBD9A747}"/>
+                <a16:creationId xmlns:a16="http://schemas.microsoft.com/office/drawing/2014/main" xmlns="" id="{964D712A-AC77-4063-83E2-AAB4BBD9A747}"/>
               </a:ext>
             </a:extLst>
           </p:cNvPr>
@@ -741,7 +741,7 @@
           <a:p>
             <a:fld id="{EA6DE812-8A96-4512-B2B2-8520F85F318D}" type="slidenum">
               <a:rPr lang="de-CH" smtClean="0"/>
-              <a:t>‹#›</a:t>
+              <a:t>‹Nr.›</a:t>
             </a:fld>
             <a:endParaRPr lang="de-CH"/>
           </a:p>
@@ -782,7 +782,7 @@
           <p:cNvPr id="2" name="Title 1">
             <a:extLst>
               <a:ext uri="{FF2B5EF4-FFF2-40B4-BE49-F238E27FC236}">
-                <a16:creationId xmlns:a16="http://schemas.microsoft.com/office/drawing/2014/main" id="{65E25AC4-BE63-40B8-8FD5-7ABFF7E1352E}"/>
+                <a16:creationId xmlns:a16="http://schemas.microsoft.com/office/drawing/2014/main" xmlns="" id="{65E25AC4-BE63-40B8-8FD5-7ABFF7E1352E}"/>
               </a:ext>
             </a:extLst>
           </p:cNvPr>
@@ -811,7 +811,7 @@
           <p:cNvPr id="3" name="Content Placeholder 2">
             <a:extLst>
               <a:ext uri="{FF2B5EF4-FFF2-40B4-BE49-F238E27FC236}">
-                <a16:creationId xmlns:a16="http://schemas.microsoft.com/office/drawing/2014/main" id="{91708C4B-DECA-4B3D-B2C4-DA66BCC06F4B}"/>
+                <a16:creationId xmlns:a16="http://schemas.microsoft.com/office/drawing/2014/main" xmlns="" id="{91708C4B-DECA-4B3D-B2C4-DA66BCC06F4B}"/>
               </a:ext>
             </a:extLst>
           </p:cNvPr>
@@ -869,7 +869,7 @@
           <p:cNvPr id="4" name="Date Placeholder 3">
             <a:extLst>
               <a:ext uri="{FF2B5EF4-FFF2-40B4-BE49-F238E27FC236}">
-                <a16:creationId xmlns:a16="http://schemas.microsoft.com/office/drawing/2014/main" id="{292DFE6C-0803-40BC-B089-A75C858A85DC}"/>
+                <a16:creationId xmlns:a16="http://schemas.microsoft.com/office/drawing/2014/main" xmlns="" id="{292DFE6C-0803-40BC-B089-A75C858A85DC}"/>
               </a:ext>
             </a:extLst>
           </p:cNvPr>
@@ -887,7 +887,7 @@
           <a:p>
             <a:fld id="{3C82E5D1-C0C0-4E97-9029-D6ABAF1D00A6}" type="datetimeFigureOut">
               <a:rPr lang="de-CH" smtClean="0"/>
-              <a:t>27.05.2019</a:t>
+              <a:t>27.05.19</a:t>
             </a:fld>
             <a:endParaRPr lang="de-CH"/>
           </a:p>
@@ -898,7 +898,7 @@
           <p:cNvPr id="5" name="Footer Placeholder 4">
             <a:extLst>
               <a:ext uri="{FF2B5EF4-FFF2-40B4-BE49-F238E27FC236}">
-                <a16:creationId xmlns:a16="http://schemas.microsoft.com/office/drawing/2014/main" id="{5273836C-07A3-481C-9885-1FE6AD28C40F}"/>
+                <a16:creationId xmlns:a16="http://schemas.microsoft.com/office/drawing/2014/main" xmlns="" id="{5273836C-07A3-481C-9885-1FE6AD28C40F}"/>
               </a:ext>
             </a:extLst>
           </p:cNvPr>
@@ -923,7 +923,7 @@
           <p:cNvPr id="6" name="Slide Number Placeholder 5">
             <a:extLst>
               <a:ext uri="{FF2B5EF4-FFF2-40B4-BE49-F238E27FC236}">
-                <a16:creationId xmlns:a16="http://schemas.microsoft.com/office/drawing/2014/main" id="{4C9944BA-C46E-4BF1-86E9-7B7232AD5D16}"/>
+                <a16:creationId xmlns:a16="http://schemas.microsoft.com/office/drawing/2014/main" xmlns="" id="{4C9944BA-C46E-4BF1-86E9-7B7232AD5D16}"/>
               </a:ext>
             </a:extLst>
           </p:cNvPr>
@@ -941,7 +941,7 @@
           <a:p>
             <a:fld id="{EA6DE812-8A96-4512-B2B2-8520F85F318D}" type="slidenum">
               <a:rPr lang="de-CH" smtClean="0"/>
-              <a:t>‹#›</a:t>
+              <a:t>‹Nr.›</a:t>
             </a:fld>
             <a:endParaRPr lang="de-CH"/>
           </a:p>
@@ -982,7 +982,7 @@
           <p:cNvPr id="2" name="Title 1">
             <a:extLst>
               <a:ext uri="{FF2B5EF4-FFF2-40B4-BE49-F238E27FC236}">
-                <a16:creationId xmlns:a16="http://schemas.microsoft.com/office/drawing/2014/main" id="{C1633E6D-BBA7-466E-AFDA-29BA738A8375}"/>
+                <a16:creationId xmlns:a16="http://schemas.microsoft.com/office/drawing/2014/main" xmlns="" id="{C1633E6D-BBA7-466E-AFDA-29BA738A8375}"/>
               </a:ext>
             </a:extLst>
           </p:cNvPr>
@@ -1020,7 +1020,7 @@
           <p:cNvPr id="3" name="Text Placeholder 2">
             <a:extLst>
               <a:ext uri="{FF2B5EF4-FFF2-40B4-BE49-F238E27FC236}">
-                <a16:creationId xmlns:a16="http://schemas.microsoft.com/office/drawing/2014/main" id="{4ECBA8E5-046E-4A65-9F5E-101C41F019A2}"/>
+                <a16:creationId xmlns:a16="http://schemas.microsoft.com/office/drawing/2014/main" xmlns="" id="{4ECBA8E5-046E-4A65-9F5E-101C41F019A2}"/>
               </a:ext>
             </a:extLst>
           </p:cNvPr>
@@ -1145,7 +1145,7 @@
           <p:cNvPr id="4" name="Date Placeholder 3">
             <a:extLst>
               <a:ext uri="{FF2B5EF4-FFF2-40B4-BE49-F238E27FC236}">
-                <a16:creationId xmlns:a16="http://schemas.microsoft.com/office/drawing/2014/main" id="{F11D639D-B54B-4134-998F-508A4C6E528F}"/>
+                <a16:creationId xmlns:a16="http://schemas.microsoft.com/office/drawing/2014/main" xmlns="" id="{F11D639D-B54B-4134-998F-508A4C6E528F}"/>
               </a:ext>
             </a:extLst>
           </p:cNvPr>
@@ -1163,7 +1163,7 @@
           <a:p>
             <a:fld id="{3C82E5D1-C0C0-4E97-9029-D6ABAF1D00A6}" type="datetimeFigureOut">
               <a:rPr lang="de-CH" smtClean="0"/>
-              <a:t>27.05.2019</a:t>
+              <a:t>27.05.19</a:t>
             </a:fld>
             <a:endParaRPr lang="de-CH"/>
           </a:p>
@@ -1174,7 +1174,7 @@
           <p:cNvPr id="5" name="Footer Placeholder 4">
             <a:extLst>
               <a:ext uri="{FF2B5EF4-FFF2-40B4-BE49-F238E27FC236}">
-                <a16:creationId xmlns:a16="http://schemas.microsoft.com/office/drawing/2014/main" id="{704B8B27-70A1-4D16-9B51-AA0DFD58A1D5}"/>
+                <a16:creationId xmlns:a16="http://schemas.microsoft.com/office/drawing/2014/main" xmlns="" id="{704B8B27-70A1-4D16-9B51-AA0DFD58A1D5}"/>
               </a:ext>
             </a:extLst>
           </p:cNvPr>
@@ -1199,7 +1199,7 @@
           <p:cNvPr id="6" name="Slide Number Placeholder 5">
             <a:extLst>
               <a:ext uri="{FF2B5EF4-FFF2-40B4-BE49-F238E27FC236}">
-                <a16:creationId xmlns:a16="http://schemas.microsoft.com/office/drawing/2014/main" id="{3CBDA09F-3BB2-4EF5-A815-073E2216256E}"/>
+                <a16:creationId xmlns:a16="http://schemas.microsoft.com/office/drawing/2014/main" xmlns="" id="{3CBDA09F-3BB2-4EF5-A815-073E2216256E}"/>
               </a:ext>
             </a:extLst>
           </p:cNvPr>
@@ -1217,7 +1217,7 @@
           <a:p>
             <a:fld id="{EA6DE812-8A96-4512-B2B2-8520F85F318D}" type="slidenum">
               <a:rPr lang="de-CH" smtClean="0"/>
-              <a:t>‹#›</a:t>
+              <a:t>‹Nr.›</a:t>
             </a:fld>
             <a:endParaRPr lang="de-CH"/>
           </a:p>
@@ -1258,7 +1258,7 @@
           <p:cNvPr id="2" name="Title 1">
             <a:extLst>
               <a:ext uri="{FF2B5EF4-FFF2-40B4-BE49-F238E27FC236}">
-                <a16:creationId xmlns:a16="http://schemas.microsoft.com/office/drawing/2014/main" id="{7E464292-FC0B-4CC6-ABAC-D746A1D4298B}"/>
+                <a16:creationId xmlns:a16="http://schemas.microsoft.com/office/drawing/2014/main" xmlns="" id="{7E464292-FC0B-4CC6-ABAC-D746A1D4298B}"/>
               </a:ext>
             </a:extLst>
           </p:cNvPr>
@@ -1287,7 +1287,7 @@
           <p:cNvPr id="3" name="Content Placeholder 2">
             <a:extLst>
               <a:ext uri="{FF2B5EF4-FFF2-40B4-BE49-F238E27FC236}">
-                <a16:creationId xmlns:a16="http://schemas.microsoft.com/office/drawing/2014/main" id="{5303542D-C9F7-445B-A815-253BBD322716}"/>
+                <a16:creationId xmlns:a16="http://schemas.microsoft.com/office/drawing/2014/main" xmlns="" id="{5303542D-C9F7-445B-A815-253BBD322716}"/>
               </a:ext>
             </a:extLst>
           </p:cNvPr>
@@ -1350,7 +1350,7 @@
           <p:cNvPr id="4" name="Content Placeholder 3">
             <a:extLst>
               <a:ext uri="{FF2B5EF4-FFF2-40B4-BE49-F238E27FC236}">
-                <a16:creationId xmlns:a16="http://schemas.microsoft.com/office/drawing/2014/main" id="{81C11DBA-0036-4B84-B691-C84796AF2239}"/>
+                <a16:creationId xmlns:a16="http://schemas.microsoft.com/office/drawing/2014/main" xmlns="" id="{81C11DBA-0036-4B84-B691-C84796AF2239}"/>
               </a:ext>
             </a:extLst>
           </p:cNvPr>
@@ -1413,7 +1413,7 @@
           <p:cNvPr id="5" name="Date Placeholder 4">
             <a:extLst>
               <a:ext uri="{FF2B5EF4-FFF2-40B4-BE49-F238E27FC236}">
-                <a16:creationId xmlns:a16="http://schemas.microsoft.com/office/drawing/2014/main" id="{6BB37D9E-DE7C-4F84-9184-0E9554E7EC9E}"/>
+                <a16:creationId xmlns:a16="http://schemas.microsoft.com/office/drawing/2014/main" xmlns="" id="{6BB37D9E-DE7C-4F84-9184-0E9554E7EC9E}"/>
               </a:ext>
             </a:extLst>
           </p:cNvPr>
@@ -1431,7 +1431,7 @@
           <a:p>
             <a:fld id="{3C82E5D1-C0C0-4E97-9029-D6ABAF1D00A6}" type="datetimeFigureOut">
               <a:rPr lang="de-CH" smtClean="0"/>
-              <a:t>27.05.2019</a:t>
+              <a:t>27.05.19</a:t>
             </a:fld>
             <a:endParaRPr lang="de-CH"/>
           </a:p>
@@ -1442,7 +1442,7 @@
           <p:cNvPr id="6" name="Footer Placeholder 5">
             <a:extLst>
               <a:ext uri="{FF2B5EF4-FFF2-40B4-BE49-F238E27FC236}">
-                <a16:creationId xmlns:a16="http://schemas.microsoft.com/office/drawing/2014/main" id="{3FE007AF-E855-4B66-9C09-5A273C12F4F7}"/>
+                <a16:creationId xmlns:a16="http://schemas.microsoft.com/office/drawing/2014/main" xmlns="" id="{3FE007AF-E855-4B66-9C09-5A273C12F4F7}"/>
               </a:ext>
             </a:extLst>
           </p:cNvPr>
@@ -1467,7 +1467,7 @@
           <p:cNvPr id="7" name="Slide Number Placeholder 6">
             <a:extLst>
               <a:ext uri="{FF2B5EF4-FFF2-40B4-BE49-F238E27FC236}">
-                <a16:creationId xmlns:a16="http://schemas.microsoft.com/office/drawing/2014/main" id="{218CDDFB-9CCA-465C-8C8E-8B5CA3FE3FC6}"/>
+                <a16:creationId xmlns:a16="http://schemas.microsoft.com/office/drawing/2014/main" xmlns="" id="{218CDDFB-9CCA-465C-8C8E-8B5CA3FE3FC6}"/>
               </a:ext>
             </a:extLst>
           </p:cNvPr>
@@ -1485,7 +1485,7 @@
           <a:p>
             <a:fld id="{EA6DE812-8A96-4512-B2B2-8520F85F318D}" type="slidenum">
               <a:rPr lang="de-CH" smtClean="0"/>
-              <a:t>‹#›</a:t>
+              <a:t>‹Nr.›</a:t>
             </a:fld>
             <a:endParaRPr lang="de-CH"/>
           </a:p>
@@ -1526,7 +1526,7 @@
           <p:cNvPr id="2" name="Title 1">
             <a:extLst>
               <a:ext uri="{FF2B5EF4-FFF2-40B4-BE49-F238E27FC236}">
-                <a16:creationId xmlns:a16="http://schemas.microsoft.com/office/drawing/2014/main" id="{8F04D7E4-6834-4317-859A-23F279954DF6}"/>
+                <a16:creationId xmlns:a16="http://schemas.microsoft.com/office/drawing/2014/main" xmlns="" id="{8F04D7E4-6834-4317-859A-23F279954DF6}"/>
               </a:ext>
             </a:extLst>
           </p:cNvPr>
@@ -1560,7 +1560,7 @@
           <p:cNvPr id="3" name="Text Placeholder 2">
             <a:extLst>
               <a:ext uri="{FF2B5EF4-FFF2-40B4-BE49-F238E27FC236}">
-                <a16:creationId xmlns:a16="http://schemas.microsoft.com/office/drawing/2014/main" id="{D03CFFBF-8956-4A2F-A141-41EE0BF47349}"/>
+                <a16:creationId xmlns:a16="http://schemas.microsoft.com/office/drawing/2014/main" xmlns="" id="{D03CFFBF-8956-4A2F-A141-41EE0BF47349}"/>
               </a:ext>
             </a:extLst>
           </p:cNvPr>
@@ -1631,7 +1631,7 @@
           <p:cNvPr id="4" name="Content Placeholder 3">
             <a:extLst>
               <a:ext uri="{FF2B5EF4-FFF2-40B4-BE49-F238E27FC236}">
-                <a16:creationId xmlns:a16="http://schemas.microsoft.com/office/drawing/2014/main" id="{ED97EB31-D817-4296-9297-615F3D15D0A8}"/>
+                <a16:creationId xmlns:a16="http://schemas.microsoft.com/office/drawing/2014/main" xmlns="" id="{ED97EB31-D817-4296-9297-615F3D15D0A8}"/>
               </a:ext>
             </a:extLst>
           </p:cNvPr>
@@ -1694,7 +1694,7 @@
           <p:cNvPr id="5" name="Text Placeholder 4">
             <a:extLst>
               <a:ext uri="{FF2B5EF4-FFF2-40B4-BE49-F238E27FC236}">
-                <a16:creationId xmlns:a16="http://schemas.microsoft.com/office/drawing/2014/main" id="{89009F7A-1EB4-4457-8C95-D5FDAEC4596A}"/>
+                <a16:creationId xmlns:a16="http://schemas.microsoft.com/office/drawing/2014/main" xmlns="" id="{89009F7A-1EB4-4457-8C95-D5FDAEC4596A}"/>
               </a:ext>
             </a:extLst>
           </p:cNvPr>
@@ -1765,7 +1765,7 @@
           <p:cNvPr id="6" name="Content Placeholder 5">
             <a:extLst>
               <a:ext uri="{FF2B5EF4-FFF2-40B4-BE49-F238E27FC236}">
-                <a16:creationId xmlns:a16="http://schemas.microsoft.com/office/drawing/2014/main" id="{1A718829-315B-4320-B067-FF7A45BFCFE4}"/>
+                <a16:creationId xmlns:a16="http://schemas.microsoft.com/office/drawing/2014/main" xmlns="" id="{1A718829-315B-4320-B067-FF7A45BFCFE4}"/>
               </a:ext>
             </a:extLst>
           </p:cNvPr>
@@ -1828,7 +1828,7 @@
           <p:cNvPr id="7" name="Date Placeholder 6">
             <a:extLst>
               <a:ext uri="{FF2B5EF4-FFF2-40B4-BE49-F238E27FC236}">
-                <a16:creationId xmlns:a16="http://schemas.microsoft.com/office/drawing/2014/main" id="{514A25FE-681F-4C31-A916-7DE1CAF3CECC}"/>
+                <a16:creationId xmlns:a16="http://schemas.microsoft.com/office/drawing/2014/main" xmlns="" id="{514A25FE-681F-4C31-A916-7DE1CAF3CECC}"/>
               </a:ext>
             </a:extLst>
           </p:cNvPr>
@@ -1846,7 +1846,7 @@
           <a:p>
             <a:fld id="{3C82E5D1-C0C0-4E97-9029-D6ABAF1D00A6}" type="datetimeFigureOut">
               <a:rPr lang="de-CH" smtClean="0"/>
-              <a:t>27.05.2019</a:t>
+              <a:t>27.05.19</a:t>
             </a:fld>
             <a:endParaRPr lang="de-CH"/>
           </a:p>
@@ -1857,7 +1857,7 @@
           <p:cNvPr id="8" name="Footer Placeholder 7">
             <a:extLst>
               <a:ext uri="{FF2B5EF4-FFF2-40B4-BE49-F238E27FC236}">
-                <a16:creationId xmlns:a16="http://schemas.microsoft.com/office/drawing/2014/main" id="{6B52B77D-9841-4325-8F2B-A12BBFDDC6DC}"/>
+                <a16:creationId xmlns:a16="http://schemas.microsoft.com/office/drawing/2014/main" xmlns="" id="{6B52B77D-9841-4325-8F2B-A12BBFDDC6DC}"/>
               </a:ext>
             </a:extLst>
           </p:cNvPr>
@@ -1882,7 +1882,7 @@
           <p:cNvPr id="9" name="Slide Number Placeholder 8">
             <a:extLst>
               <a:ext uri="{FF2B5EF4-FFF2-40B4-BE49-F238E27FC236}">
-                <a16:creationId xmlns:a16="http://schemas.microsoft.com/office/drawing/2014/main" id="{71ADA048-8FEB-4877-8DD8-33A2D718C13A}"/>
+                <a16:creationId xmlns:a16="http://schemas.microsoft.com/office/drawing/2014/main" xmlns="" id="{71ADA048-8FEB-4877-8DD8-33A2D718C13A}"/>
               </a:ext>
             </a:extLst>
           </p:cNvPr>
@@ -1900,7 +1900,7 @@
           <a:p>
             <a:fld id="{EA6DE812-8A96-4512-B2B2-8520F85F318D}" type="slidenum">
               <a:rPr lang="de-CH" smtClean="0"/>
-              <a:t>‹#›</a:t>
+              <a:t>‹Nr.›</a:t>
             </a:fld>
             <a:endParaRPr lang="de-CH"/>
           </a:p>
@@ -1941,7 +1941,7 @@
           <p:cNvPr id="2" name="Title 1">
             <a:extLst>
               <a:ext uri="{FF2B5EF4-FFF2-40B4-BE49-F238E27FC236}">
-                <a16:creationId xmlns:a16="http://schemas.microsoft.com/office/drawing/2014/main" id="{E0C14C95-A07C-4448-B585-8B92B2E9BA55}"/>
+                <a16:creationId xmlns:a16="http://schemas.microsoft.com/office/drawing/2014/main" xmlns="" id="{E0C14C95-A07C-4448-B585-8B92B2E9BA55}"/>
               </a:ext>
             </a:extLst>
           </p:cNvPr>
@@ -1970,7 +1970,7 @@
           <p:cNvPr id="3" name="Date Placeholder 2">
             <a:extLst>
               <a:ext uri="{FF2B5EF4-FFF2-40B4-BE49-F238E27FC236}">
-                <a16:creationId xmlns:a16="http://schemas.microsoft.com/office/drawing/2014/main" id="{8D4FA196-DC35-40D1-B16A-1C70098F804B}"/>
+                <a16:creationId xmlns:a16="http://schemas.microsoft.com/office/drawing/2014/main" xmlns="" id="{8D4FA196-DC35-40D1-B16A-1C70098F804B}"/>
               </a:ext>
             </a:extLst>
           </p:cNvPr>
@@ -1988,7 +1988,7 @@
           <a:p>
             <a:fld id="{3C82E5D1-C0C0-4E97-9029-D6ABAF1D00A6}" type="datetimeFigureOut">
               <a:rPr lang="de-CH" smtClean="0"/>
-              <a:t>27.05.2019</a:t>
+              <a:t>27.05.19</a:t>
             </a:fld>
             <a:endParaRPr lang="de-CH"/>
           </a:p>
@@ -1999,7 +1999,7 @@
           <p:cNvPr id="4" name="Footer Placeholder 3">
             <a:extLst>
               <a:ext uri="{FF2B5EF4-FFF2-40B4-BE49-F238E27FC236}">
-                <a16:creationId xmlns:a16="http://schemas.microsoft.com/office/drawing/2014/main" id="{EBBC2E21-4E79-4D36-A54E-4000920F3912}"/>
+                <a16:creationId xmlns:a16="http://schemas.microsoft.com/office/drawing/2014/main" xmlns="" id="{EBBC2E21-4E79-4D36-A54E-4000920F3912}"/>
               </a:ext>
             </a:extLst>
           </p:cNvPr>
@@ -2024,7 +2024,7 @@
           <p:cNvPr id="5" name="Slide Number Placeholder 4">
             <a:extLst>
               <a:ext uri="{FF2B5EF4-FFF2-40B4-BE49-F238E27FC236}">
-                <a16:creationId xmlns:a16="http://schemas.microsoft.com/office/drawing/2014/main" id="{E7E2BBB4-12D3-45DD-86D0-0E69F9F632FC}"/>
+                <a16:creationId xmlns:a16="http://schemas.microsoft.com/office/drawing/2014/main" xmlns="" id="{E7E2BBB4-12D3-45DD-86D0-0E69F9F632FC}"/>
               </a:ext>
             </a:extLst>
           </p:cNvPr>
@@ -2042,7 +2042,7 @@
           <a:p>
             <a:fld id="{EA6DE812-8A96-4512-B2B2-8520F85F318D}" type="slidenum">
               <a:rPr lang="de-CH" smtClean="0"/>
-              <a:t>‹#›</a:t>
+              <a:t>‹Nr.›</a:t>
             </a:fld>
             <a:endParaRPr lang="de-CH"/>
           </a:p>
@@ -2083,7 +2083,7 @@
           <p:cNvPr id="2" name="Date Placeholder 1">
             <a:extLst>
               <a:ext uri="{FF2B5EF4-FFF2-40B4-BE49-F238E27FC236}">
-                <a16:creationId xmlns:a16="http://schemas.microsoft.com/office/drawing/2014/main" id="{843E9504-F873-406A-A147-B2E524F363C5}"/>
+                <a16:creationId xmlns:a16="http://schemas.microsoft.com/office/drawing/2014/main" xmlns="" id="{843E9504-F873-406A-A147-B2E524F363C5}"/>
               </a:ext>
             </a:extLst>
           </p:cNvPr>
@@ -2101,7 +2101,7 @@
           <a:p>
             <a:fld id="{3C82E5D1-C0C0-4E97-9029-D6ABAF1D00A6}" type="datetimeFigureOut">
               <a:rPr lang="de-CH" smtClean="0"/>
-              <a:t>27.05.2019</a:t>
+              <a:t>27.05.19</a:t>
             </a:fld>
             <a:endParaRPr lang="de-CH"/>
           </a:p>
@@ -2112,7 +2112,7 @@
           <p:cNvPr id="3" name="Footer Placeholder 2">
             <a:extLst>
               <a:ext uri="{FF2B5EF4-FFF2-40B4-BE49-F238E27FC236}">
-                <a16:creationId xmlns:a16="http://schemas.microsoft.com/office/drawing/2014/main" id="{A6948A02-AF8D-4485-BB34-2A73699B5B3D}"/>
+                <a16:creationId xmlns:a16="http://schemas.microsoft.com/office/drawing/2014/main" xmlns="" id="{A6948A02-AF8D-4485-BB34-2A73699B5B3D}"/>
               </a:ext>
             </a:extLst>
           </p:cNvPr>
@@ -2137,7 +2137,7 @@
           <p:cNvPr id="4" name="Slide Number Placeholder 3">
             <a:extLst>
               <a:ext uri="{FF2B5EF4-FFF2-40B4-BE49-F238E27FC236}">
-                <a16:creationId xmlns:a16="http://schemas.microsoft.com/office/drawing/2014/main" id="{F63E0D79-6103-4ED3-892E-2A1E431E18A4}"/>
+                <a16:creationId xmlns:a16="http://schemas.microsoft.com/office/drawing/2014/main" xmlns="" id="{F63E0D79-6103-4ED3-892E-2A1E431E18A4}"/>
               </a:ext>
             </a:extLst>
           </p:cNvPr>
@@ -2155,7 +2155,7 @@
           <a:p>
             <a:fld id="{EA6DE812-8A96-4512-B2B2-8520F85F318D}" type="slidenum">
               <a:rPr lang="de-CH" smtClean="0"/>
-              <a:t>‹#›</a:t>
+              <a:t>‹Nr.›</a:t>
             </a:fld>
             <a:endParaRPr lang="de-CH"/>
           </a:p>
@@ -2196,7 +2196,7 @@
           <p:cNvPr id="2" name="Title 1">
             <a:extLst>
               <a:ext uri="{FF2B5EF4-FFF2-40B4-BE49-F238E27FC236}">
-                <a16:creationId xmlns:a16="http://schemas.microsoft.com/office/drawing/2014/main" id="{30C2E7B2-637F-46A4-9A66-2C7EDAD4F56E}"/>
+                <a16:creationId xmlns:a16="http://schemas.microsoft.com/office/drawing/2014/main" xmlns="" id="{30C2E7B2-637F-46A4-9A66-2C7EDAD4F56E}"/>
               </a:ext>
             </a:extLst>
           </p:cNvPr>
@@ -2234,7 +2234,7 @@
           <p:cNvPr id="3" name="Content Placeholder 2">
             <a:extLst>
               <a:ext uri="{FF2B5EF4-FFF2-40B4-BE49-F238E27FC236}">
-                <a16:creationId xmlns:a16="http://schemas.microsoft.com/office/drawing/2014/main" id="{B061708A-1ABA-4DB7-8AF3-0968EFF6FB86}"/>
+                <a16:creationId xmlns:a16="http://schemas.microsoft.com/office/drawing/2014/main" xmlns="" id="{B061708A-1ABA-4DB7-8AF3-0968EFF6FB86}"/>
               </a:ext>
             </a:extLst>
           </p:cNvPr>
@@ -2325,7 +2325,7 @@
           <p:cNvPr id="4" name="Text Placeholder 3">
             <a:extLst>
               <a:ext uri="{FF2B5EF4-FFF2-40B4-BE49-F238E27FC236}">
-                <a16:creationId xmlns:a16="http://schemas.microsoft.com/office/drawing/2014/main" id="{25C54DCE-B4C7-4255-91C8-E3E7A1206E26}"/>
+                <a16:creationId xmlns:a16="http://schemas.microsoft.com/office/drawing/2014/main" xmlns="" id="{25C54DCE-B4C7-4255-91C8-E3E7A1206E26}"/>
               </a:ext>
             </a:extLst>
           </p:cNvPr>
@@ -2396,7 +2396,7 @@
           <p:cNvPr id="5" name="Date Placeholder 4">
             <a:extLst>
               <a:ext uri="{FF2B5EF4-FFF2-40B4-BE49-F238E27FC236}">
-                <a16:creationId xmlns:a16="http://schemas.microsoft.com/office/drawing/2014/main" id="{DE0C6D82-D817-4893-9055-EC7841302099}"/>
+                <a16:creationId xmlns:a16="http://schemas.microsoft.com/office/drawing/2014/main" xmlns="" id="{DE0C6D82-D817-4893-9055-EC7841302099}"/>
               </a:ext>
             </a:extLst>
           </p:cNvPr>
@@ -2414,7 +2414,7 @@
           <a:p>
             <a:fld id="{3C82E5D1-C0C0-4E97-9029-D6ABAF1D00A6}" type="datetimeFigureOut">
               <a:rPr lang="de-CH" smtClean="0"/>
-              <a:t>27.05.2019</a:t>
+              <a:t>27.05.19</a:t>
             </a:fld>
             <a:endParaRPr lang="de-CH"/>
           </a:p>
@@ -2425,7 +2425,7 @@
           <p:cNvPr id="6" name="Footer Placeholder 5">
             <a:extLst>
               <a:ext uri="{FF2B5EF4-FFF2-40B4-BE49-F238E27FC236}">
-                <a16:creationId xmlns:a16="http://schemas.microsoft.com/office/drawing/2014/main" id="{53BA4ADE-B40C-4CD6-9B32-3FC5EDEA88F0}"/>
+                <a16:creationId xmlns:a16="http://schemas.microsoft.com/office/drawing/2014/main" xmlns="" id="{53BA4ADE-B40C-4CD6-9B32-3FC5EDEA88F0}"/>
               </a:ext>
             </a:extLst>
           </p:cNvPr>
@@ -2450,7 +2450,7 @@
           <p:cNvPr id="7" name="Slide Number Placeholder 6">
             <a:extLst>
               <a:ext uri="{FF2B5EF4-FFF2-40B4-BE49-F238E27FC236}">
-                <a16:creationId xmlns:a16="http://schemas.microsoft.com/office/drawing/2014/main" id="{4118C7E1-2F7E-429A-B4DF-EBAB0C6FB2CC}"/>
+                <a16:creationId xmlns:a16="http://schemas.microsoft.com/office/drawing/2014/main" xmlns="" id="{4118C7E1-2F7E-429A-B4DF-EBAB0C6FB2CC}"/>
               </a:ext>
             </a:extLst>
           </p:cNvPr>
@@ -2468,7 +2468,7 @@
           <a:p>
             <a:fld id="{EA6DE812-8A96-4512-B2B2-8520F85F318D}" type="slidenum">
               <a:rPr lang="de-CH" smtClean="0"/>
-              <a:t>‹#›</a:t>
+              <a:t>‹Nr.›</a:t>
             </a:fld>
             <a:endParaRPr lang="de-CH"/>
           </a:p>
@@ -2509,7 +2509,7 @@
           <p:cNvPr id="2" name="Title 1">
             <a:extLst>
               <a:ext uri="{FF2B5EF4-FFF2-40B4-BE49-F238E27FC236}">
-                <a16:creationId xmlns:a16="http://schemas.microsoft.com/office/drawing/2014/main" id="{B5B9C303-E4CD-4BBF-B2D6-B739504EAEB2}"/>
+                <a16:creationId xmlns:a16="http://schemas.microsoft.com/office/drawing/2014/main" xmlns="" id="{B5B9C303-E4CD-4BBF-B2D6-B739504EAEB2}"/>
               </a:ext>
             </a:extLst>
           </p:cNvPr>
@@ -2547,7 +2547,7 @@
           <p:cNvPr id="3" name="Picture Placeholder 2">
             <a:extLst>
               <a:ext uri="{FF2B5EF4-FFF2-40B4-BE49-F238E27FC236}">
-                <a16:creationId xmlns:a16="http://schemas.microsoft.com/office/drawing/2014/main" id="{71776847-1D6F-43CB-87E6-123E43DE207F}"/>
+                <a16:creationId xmlns:a16="http://schemas.microsoft.com/office/drawing/2014/main" xmlns="" id="{71776847-1D6F-43CB-87E6-123E43DE207F}"/>
               </a:ext>
             </a:extLst>
           </p:cNvPr>
@@ -2614,7 +2614,7 @@
           <p:cNvPr id="4" name="Text Placeholder 3">
             <a:extLst>
               <a:ext uri="{FF2B5EF4-FFF2-40B4-BE49-F238E27FC236}">
-                <a16:creationId xmlns:a16="http://schemas.microsoft.com/office/drawing/2014/main" id="{6C01C400-D18B-40AA-9CF1-A822C3F9329F}"/>
+                <a16:creationId xmlns:a16="http://schemas.microsoft.com/office/drawing/2014/main" xmlns="" id="{6C01C400-D18B-40AA-9CF1-A822C3F9329F}"/>
               </a:ext>
             </a:extLst>
           </p:cNvPr>
@@ -2685,7 +2685,7 @@
           <p:cNvPr id="5" name="Date Placeholder 4">
             <a:extLst>
               <a:ext uri="{FF2B5EF4-FFF2-40B4-BE49-F238E27FC236}">
-                <a16:creationId xmlns:a16="http://schemas.microsoft.com/office/drawing/2014/main" id="{E376BF91-DDF6-477A-B1E9-E04A3BF9076D}"/>
+                <a16:creationId xmlns:a16="http://schemas.microsoft.com/office/drawing/2014/main" xmlns="" id="{E376BF91-DDF6-477A-B1E9-E04A3BF9076D}"/>
               </a:ext>
             </a:extLst>
           </p:cNvPr>
@@ -2703,7 +2703,7 @@
           <a:p>
             <a:fld id="{3C82E5D1-C0C0-4E97-9029-D6ABAF1D00A6}" type="datetimeFigureOut">
               <a:rPr lang="de-CH" smtClean="0"/>
-              <a:t>27.05.2019</a:t>
+              <a:t>27.05.19</a:t>
             </a:fld>
             <a:endParaRPr lang="de-CH"/>
           </a:p>
@@ -2714,7 +2714,7 @@
           <p:cNvPr id="6" name="Footer Placeholder 5">
             <a:extLst>
               <a:ext uri="{FF2B5EF4-FFF2-40B4-BE49-F238E27FC236}">
-                <a16:creationId xmlns:a16="http://schemas.microsoft.com/office/drawing/2014/main" id="{2AAB9CED-C0DE-4595-8777-E2710368D8F8}"/>
+                <a16:creationId xmlns:a16="http://schemas.microsoft.com/office/drawing/2014/main" xmlns="" id="{2AAB9CED-C0DE-4595-8777-E2710368D8F8}"/>
               </a:ext>
             </a:extLst>
           </p:cNvPr>
@@ -2739,7 +2739,7 @@
           <p:cNvPr id="7" name="Slide Number Placeholder 6">
             <a:extLst>
               <a:ext uri="{FF2B5EF4-FFF2-40B4-BE49-F238E27FC236}">
-                <a16:creationId xmlns:a16="http://schemas.microsoft.com/office/drawing/2014/main" id="{717E6D53-DF4B-4C85-95F5-6C565D8956EC}"/>
+                <a16:creationId xmlns:a16="http://schemas.microsoft.com/office/drawing/2014/main" xmlns="" id="{717E6D53-DF4B-4C85-95F5-6C565D8956EC}"/>
               </a:ext>
             </a:extLst>
           </p:cNvPr>
@@ -2757,7 +2757,7 @@
           <a:p>
             <a:fld id="{EA6DE812-8A96-4512-B2B2-8520F85F318D}" type="slidenum">
               <a:rPr lang="de-CH" smtClean="0"/>
-              <a:t>‹#›</a:t>
+              <a:t>‹Nr.›</a:t>
             </a:fld>
             <a:endParaRPr lang="de-CH"/>
           </a:p>
@@ -2803,7 +2803,7 @@
           <p:cNvPr id="2" name="Title Placeholder 1">
             <a:extLst>
               <a:ext uri="{FF2B5EF4-FFF2-40B4-BE49-F238E27FC236}">
-                <a16:creationId xmlns:a16="http://schemas.microsoft.com/office/drawing/2014/main" id="{FAC58CB2-7A78-4574-B451-706DBB6EF6AB}"/>
+                <a16:creationId xmlns:a16="http://schemas.microsoft.com/office/drawing/2014/main" xmlns="" id="{FAC58CB2-7A78-4574-B451-706DBB6EF6AB}"/>
               </a:ext>
             </a:extLst>
           </p:cNvPr>
@@ -2842,7 +2842,7 @@
           <p:cNvPr id="3" name="Text Placeholder 2">
             <a:extLst>
               <a:ext uri="{FF2B5EF4-FFF2-40B4-BE49-F238E27FC236}">
-                <a16:creationId xmlns:a16="http://schemas.microsoft.com/office/drawing/2014/main" id="{DD2C5958-98D1-4620-BFAC-03E9DA544C77}"/>
+                <a16:creationId xmlns:a16="http://schemas.microsoft.com/office/drawing/2014/main" xmlns="" id="{DD2C5958-98D1-4620-BFAC-03E9DA544C77}"/>
               </a:ext>
             </a:extLst>
           </p:cNvPr>
@@ -2910,7 +2910,7 @@
           <p:cNvPr id="4" name="Date Placeholder 3">
             <a:extLst>
               <a:ext uri="{FF2B5EF4-FFF2-40B4-BE49-F238E27FC236}">
-                <a16:creationId xmlns:a16="http://schemas.microsoft.com/office/drawing/2014/main" id="{2D856D13-A07C-45CB-B2BF-9471030793EE}"/>
+                <a16:creationId xmlns:a16="http://schemas.microsoft.com/office/drawing/2014/main" xmlns="" id="{2D856D13-A07C-45CB-B2BF-9471030793EE}"/>
               </a:ext>
             </a:extLst>
           </p:cNvPr>
@@ -2946,7 +2946,7 @@
           <a:p>
             <a:fld id="{3C82E5D1-C0C0-4E97-9029-D6ABAF1D00A6}" type="datetimeFigureOut">
               <a:rPr lang="de-CH" smtClean="0"/>
-              <a:t>27.05.2019</a:t>
+              <a:t>27.05.19</a:t>
             </a:fld>
             <a:endParaRPr lang="de-CH"/>
           </a:p>
@@ -2957,7 +2957,7 @@
           <p:cNvPr id="5" name="Footer Placeholder 4">
             <a:extLst>
               <a:ext uri="{FF2B5EF4-FFF2-40B4-BE49-F238E27FC236}">
-                <a16:creationId xmlns:a16="http://schemas.microsoft.com/office/drawing/2014/main" id="{2D2679C8-B618-495E-83CE-06691FCF874C}"/>
+                <a16:creationId xmlns:a16="http://schemas.microsoft.com/office/drawing/2014/main" xmlns="" id="{2D2679C8-B618-495E-83CE-06691FCF874C}"/>
               </a:ext>
             </a:extLst>
           </p:cNvPr>
@@ -3000,7 +3000,7 @@
           <p:cNvPr id="6" name="Slide Number Placeholder 5">
             <a:extLst>
               <a:ext uri="{FF2B5EF4-FFF2-40B4-BE49-F238E27FC236}">
-                <a16:creationId xmlns:a16="http://schemas.microsoft.com/office/drawing/2014/main" id="{840E1B95-6442-49B7-9B27-7B640FBB581D}"/>
+                <a16:creationId xmlns:a16="http://schemas.microsoft.com/office/drawing/2014/main" xmlns="" id="{840E1B95-6442-49B7-9B27-7B640FBB581D}"/>
               </a:ext>
             </a:extLst>
           </p:cNvPr>
@@ -3036,7 +3036,7 @@
           <a:p>
             <a:fld id="{EA6DE812-8A96-4512-B2B2-8520F85F318D}" type="slidenum">
               <a:rPr lang="de-CH" smtClean="0"/>
-              <a:t>‹#›</a:t>
+              <a:t>‹Nr.›</a:t>
             </a:fld>
             <a:endParaRPr lang="de-CH"/>
           </a:p>
@@ -3368,7 +3368,7 @@
           <p:cNvPr id="2" name="Title 1">
             <a:extLst>
               <a:ext uri="{FF2B5EF4-FFF2-40B4-BE49-F238E27FC236}">
-                <a16:creationId xmlns:a16="http://schemas.microsoft.com/office/drawing/2014/main" id="{C7DDABEF-2803-44E2-97E7-F13B454DB6EB}"/>
+                <a16:creationId xmlns:a16="http://schemas.microsoft.com/office/drawing/2014/main" xmlns="" id="{C7DDABEF-2803-44E2-97E7-F13B454DB6EB}"/>
               </a:ext>
             </a:extLst>
           </p:cNvPr>
@@ -3385,12 +3385,20 @@
           <a:lstStyle/>
           <a:p>
             <a:r>
-              <a:rPr lang="de-CH" dirty="0" err="1"/>
+              <a:rPr lang="de-CH" dirty="0" smtClean="0"/>
+              <a:t>The </a:t>
+            </a:r>
+            <a:r>
+              <a:rPr lang="de-CH" dirty="0" err="1" smtClean="0"/>
               <a:t>Build</a:t>
             </a:r>
             <a:r>
+              <a:rPr lang="de-CH" dirty="0" smtClean="0"/>
+              <a:t> </a:t>
+            </a:r>
+            <a:r>
               <a:rPr lang="de-CH" dirty="0"/>
-              <a:t> Monitor</a:t>
+              <a:t>Monitor</a:t>
             </a:r>
           </a:p>
         </p:txBody>
@@ -3400,7 +3408,7 @@
           <p:cNvPr id="3" name="Subtitle 2">
             <a:extLst>
               <a:ext uri="{FF2B5EF4-FFF2-40B4-BE49-F238E27FC236}">
-                <a16:creationId xmlns:a16="http://schemas.microsoft.com/office/drawing/2014/main" id="{C3C38E75-A64B-42FE-9E8A-D47AC7E6FB5F}"/>
+                <a16:creationId xmlns:a16="http://schemas.microsoft.com/office/drawing/2014/main" xmlns="" id="{C3C38E75-A64B-42FE-9E8A-D47AC7E6FB5F}"/>
               </a:ext>
             </a:extLst>
           </p:cNvPr>
@@ -3417,15 +3425,15 @@
           <a:lstStyle/>
           <a:p>
             <a:r>
-              <a:rPr lang="de-CH" dirty="0" err="1"/>
-              <a:t>iot</a:t>
-            </a:r>
-            <a:r>
-              <a:rPr lang="de-CH" dirty="0"/>
+              <a:rPr lang="de-CH" dirty="0" err="1" smtClean="0"/>
+              <a:t>IoT</a:t>
+            </a:r>
+            <a:r>
+              <a:rPr lang="de-CH" dirty="0" smtClean="0"/>
               <a:t> </a:t>
             </a:r>
             <a:r>
-              <a:rPr lang="de-CH" dirty="0" err="1"/>
+              <a:rPr lang="de-CH" dirty="0" err="1" smtClean="0"/>
               <a:t>project</a:t>
             </a:r>
             <a:endParaRPr lang="de-CH" dirty="0"/>
@@ -3467,7 +3475,7 @@
           <p:cNvPr id="2" name="Title 1">
             <a:extLst>
               <a:ext uri="{FF2B5EF4-FFF2-40B4-BE49-F238E27FC236}">
-                <a16:creationId xmlns:a16="http://schemas.microsoft.com/office/drawing/2014/main" id="{420974B1-6D0E-4293-B52C-EE16DF643629}"/>
+                <a16:creationId xmlns:a16="http://schemas.microsoft.com/office/drawing/2014/main" xmlns="" id="{F89A4C5F-DA28-4624-ADA5-24DE3D0F239B}"/>
               </a:ext>
             </a:extLst>
           </p:cNvPr>
@@ -3485,81 +3493,44 @@
           <a:p>
             <a:r>
               <a:rPr lang="de-CH" dirty="0"/>
-              <a:t>Use Case</a:t>
-            </a:r>
-          </a:p>
-        </p:txBody>
-      </p:sp>
-      <p:sp>
-        <p:nvSpPr>
-          <p:cNvPr id="3" name="Content Placeholder 2">
-            <a:extLst>
-              <a:ext uri="{FF2B5EF4-FFF2-40B4-BE49-F238E27FC236}">
-                <a16:creationId xmlns:a16="http://schemas.microsoft.com/office/drawing/2014/main" id="{77D941A9-1A19-4DBE-8969-C99CB0969DD4}"/>
-              </a:ext>
-            </a:extLst>
-          </p:cNvPr>
-          <p:cNvSpPr>
-            <a:spLocks noGrp="1"/>
-          </p:cNvSpPr>
+              <a:t>Live Demo</a:t>
+            </a:r>
+          </a:p>
+        </p:txBody>
+      </p:sp>
+      <p:pic>
+        <p:nvPicPr>
+          <p:cNvPr id="4" name="Inhaltsplatzhalter 3"/>
+          <p:cNvPicPr>
+            <a:picLocks noGrp="1" noChangeAspect="1"/>
+          </p:cNvPicPr>
           <p:nvPr>
             <p:ph idx="1"/>
           </p:nvPr>
-        </p:nvSpPr>
-        <p:spPr/>
-        <p:txBody>
-          <a:bodyPr/>
-          <a:lstStyle/>
-          <a:p>
-            <a:r>
-              <a:rPr lang="de-CH" dirty="0" err="1"/>
-              <a:t>Build</a:t>
-            </a:r>
-            <a:r>
-              <a:rPr lang="de-CH" dirty="0"/>
-              <a:t> Failure </a:t>
-            </a:r>
-            <a:r>
-              <a:rPr lang="de-CH" dirty="0" err="1"/>
-              <a:t>Notification</a:t>
-            </a:r>
-            <a:endParaRPr lang="de-CH" dirty="0"/>
-          </a:p>
-          <a:p>
-            <a:r>
-              <a:rPr lang="de-CH" dirty="0" err="1"/>
-              <a:t>Build</a:t>
-            </a:r>
-            <a:r>
-              <a:rPr lang="de-CH" dirty="0"/>
-              <a:t> </a:t>
-            </a:r>
-            <a:r>
-              <a:rPr lang="de-CH" dirty="0" err="1"/>
-              <a:t>Success</a:t>
-            </a:r>
-            <a:r>
-              <a:rPr lang="de-CH" dirty="0"/>
-              <a:t> </a:t>
-            </a:r>
-            <a:r>
-              <a:rPr lang="de-CH" dirty="0" err="1"/>
-              <a:t>Notification</a:t>
-            </a:r>
-            <a:endParaRPr lang="de-CH" dirty="0"/>
-          </a:p>
-          <a:p>
-            <a:r>
-              <a:rPr lang="de-CH" dirty="0"/>
-              <a:t>Commit Fixing</a:t>
-            </a:r>
-          </a:p>
-        </p:txBody>
-      </p:sp>
+        </p:nvPicPr>
+        <p:blipFill>
+          <a:blip r:embed="rId2">
+            <a:extLst>
+              <a:ext uri="{28A0092B-C50C-407E-A947-70E740481C1C}">
+                <a14:useLocalDpi xmlns:a14="http://schemas.microsoft.com/office/drawing/2010/main" val="0"/>
+              </a:ext>
+            </a:extLst>
+          </a:blip>
+          <a:stretch>
+            <a:fillRect/>
+          </a:stretch>
+        </p:blipFill>
+        <p:spPr>
+          <a:xfrm>
+            <a:off x="2039604" y="1690688"/>
+            <a:ext cx="7875904" cy="4486275"/>
+          </a:xfrm>
+        </p:spPr>
+      </p:pic>
     </p:spTree>
     <p:extLst>
       <p:ext uri="{BB962C8B-B14F-4D97-AF65-F5344CB8AC3E}">
-        <p14:creationId xmlns:p14="http://schemas.microsoft.com/office/powerpoint/2010/main" val="3682686406"/>
+        <p14:creationId xmlns:p14="http://schemas.microsoft.com/office/powerpoint/2010/main" val="1850022409"/>
       </p:ext>
     </p:extLst>
   </p:cSld>
@@ -3591,7 +3562,7 @@
           <p:cNvPr id="2" name="Title 1">
             <a:extLst>
               <a:ext uri="{FF2B5EF4-FFF2-40B4-BE49-F238E27FC236}">
-                <a16:creationId xmlns:a16="http://schemas.microsoft.com/office/drawing/2014/main" id="{989A4FBE-28CC-429E-8794-2E8F572A248E}"/>
+                <a16:creationId xmlns:a16="http://schemas.microsoft.com/office/drawing/2014/main" xmlns="" id="{420974B1-6D0E-4293-B52C-EE16DF643629}"/>
               </a:ext>
             </a:extLst>
           </p:cNvPr>
@@ -3609,55 +3580,147 @@
           <a:p>
             <a:r>
               <a:rPr lang="de-CH" dirty="0"/>
-              <a:t>Reference</a:t>
-            </a:r>
-            <a:r>
-              <a:rPr lang="de-CH" baseline="0" dirty="0"/>
-              <a:t> Model</a:t>
+              <a:t>Use Case</a:t>
+            </a:r>
+          </a:p>
+        </p:txBody>
+      </p:sp>
+      <p:sp>
+        <p:nvSpPr>
+          <p:cNvPr id="3" name="Content Placeholder 2">
+            <a:extLst>
+              <a:ext uri="{FF2B5EF4-FFF2-40B4-BE49-F238E27FC236}">
+                <a16:creationId xmlns:a16="http://schemas.microsoft.com/office/drawing/2014/main" xmlns="" id="{77D941A9-1A19-4DBE-8969-C99CB0969DD4}"/>
+              </a:ext>
+            </a:extLst>
+          </p:cNvPr>
+          <p:cNvSpPr>
+            <a:spLocks noGrp="1"/>
+          </p:cNvSpPr>
+          <p:nvPr>
+            <p:ph idx="1"/>
+          </p:nvPr>
+        </p:nvSpPr>
+        <p:spPr/>
+        <p:txBody>
+          <a:bodyPr/>
+          <a:lstStyle/>
+          <a:p>
+            <a:r>
+              <a:rPr lang="de-CH" dirty="0" err="1"/>
+              <a:t>Build</a:t>
+            </a:r>
+            <a:r>
+              <a:rPr lang="de-CH" dirty="0"/>
+              <a:t> </a:t>
+            </a:r>
+            <a:r>
+              <a:rPr lang="de-CH" dirty="0" err="1"/>
+              <a:t>Failure</a:t>
+            </a:r>
+            <a:r>
+              <a:rPr lang="de-CH" dirty="0"/>
+              <a:t> </a:t>
+            </a:r>
+            <a:r>
+              <a:rPr lang="de-CH" dirty="0" err="1" smtClean="0"/>
+              <a:t>Notification</a:t>
+            </a:r>
+            <a:endParaRPr lang="de-CH" dirty="0" smtClean="0"/>
+          </a:p>
+          <a:p>
+            <a:r>
+              <a:rPr lang="de-CH" dirty="0"/>
+              <a:t>Commit </a:t>
+            </a:r>
+            <a:r>
+              <a:rPr lang="de-CH" dirty="0" smtClean="0"/>
+              <a:t>Fixing</a:t>
             </a:r>
             <a:endParaRPr lang="de-CH" dirty="0"/>
           </a:p>
-        </p:txBody>
-      </p:sp>
-      <p:pic>
-        <p:nvPicPr>
-          <p:cNvPr id="5" name="Content Placeholder 4" descr="A close up of a map&#10;&#10;Description automatically generated">
-            <a:extLst>
-              <a:ext uri="{FF2B5EF4-FFF2-40B4-BE49-F238E27FC236}">
-                <a16:creationId xmlns:a16="http://schemas.microsoft.com/office/drawing/2014/main" id="{F5FCF0A7-514C-4F43-9D06-1283B504894E}"/>
-              </a:ext>
-            </a:extLst>
-          </p:cNvPr>
-          <p:cNvPicPr>
-            <a:picLocks noGrp="1" noChangeAspect="1"/>
-          </p:cNvPicPr>
-          <p:nvPr>
-            <p:ph idx="1"/>
-          </p:nvPr>
-        </p:nvPicPr>
-        <p:blipFill>
-          <a:blip r:embed="rId2">
-            <a:extLst>
-              <a:ext uri="{28A0092B-C50C-407E-A947-70E740481C1C}">
-                <a14:useLocalDpi xmlns:a14="http://schemas.microsoft.com/office/drawing/2010/main" val="0"/>
-              </a:ext>
-            </a:extLst>
-          </a:blip>
-          <a:stretch>
-            <a:fillRect/>
-          </a:stretch>
-        </p:blipFill>
-        <p:spPr>
-          <a:xfrm>
-            <a:off x="53477" y="1559560"/>
-            <a:ext cx="12183041" cy="4490720"/>
-          </a:xfrm>
-        </p:spPr>
-      </p:pic>
+          <a:p>
+            <a:r>
+              <a:rPr lang="de-CH" dirty="0" err="1"/>
+              <a:t>Build</a:t>
+            </a:r>
+            <a:r>
+              <a:rPr lang="de-CH" dirty="0"/>
+              <a:t> </a:t>
+            </a:r>
+            <a:r>
+              <a:rPr lang="de-CH" dirty="0" err="1"/>
+              <a:t>Success</a:t>
+            </a:r>
+            <a:r>
+              <a:rPr lang="de-CH" dirty="0"/>
+              <a:t> </a:t>
+            </a:r>
+            <a:r>
+              <a:rPr lang="de-CH" dirty="0" err="1" smtClean="0"/>
+              <a:t>Notification</a:t>
+            </a:r>
+            <a:endParaRPr lang="de-CH" dirty="0" smtClean="0"/>
+          </a:p>
+          <a:p>
+            <a:endParaRPr lang="de-CH" dirty="0"/>
+          </a:p>
+          <a:p>
+            <a:endParaRPr lang="de-CH" dirty="0" smtClean="0"/>
+          </a:p>
+          <a:p>
+            <a:r>
+              <a:rPr lang="de-CH" dirty="0">
+                <a:hlinkClick r:id="rId2"/>
+              </a:rPr>
+              <a:t>Jenkins CI</a:t>
+            </a:r>
+            <a:endParaRPr lang="de-CH" dirty="0"/>
+          </a:p>
+          <a:p>
+            <a:r>
+              <a:rPr lang="de-CH" dirty="0">
+                <a:hlinkClick r:id="rId3"/>
+              </a:rPr>
+              <a:t>MQTT </a:t>
+            </a:r>
+            <a:r>
+              <a:rPr lang="de-CH" dirty="0" smtClean="0">
+                <a:hlinkClick r:id="rId3"/>
+              </a:rPr>
+              <a:t>Client</a:t>
+            </a:r>
+            <a:r>
+              <a:rPr lang="de-CH" dirty="0" smtClean="0"/>
+              <a:t> (</a:t>
+            </a:r>
+            <a:r>
+              <a:rPr lang="de-CH" dirty="0" err="1" smtClean="0"/>
+              <a:t>Raspberry</a:t>
+            </a:r>
+            <a:r>
+              <a:rPr lang="de-CH" dirty="0" smtClean="0"/>
+              <a:t>-Jenkins-</a:t>
+            </a:r>
+            <a:r>
+              <a:rPr lang="de-CH" dirty="0" err="1" smtClean="0"/>
+              <a:t>CloudFunction</a:t>
+            </a:r>
+            <a:r>
+              <a:rPr lang="de-CH" dirty="0" smtClean="0"/>
+              <a:t>)</a:t>
+            </a:r>
+            <a:endParaRPr lang="de-CH" dirty="0"/>
+          </a:p>
+          <a:p>
+            <a:endParaRPr lang="de-CH" dirty="0"/>
+          </a:p>
+        </p:txBody>
+      </p:sp>
     </p:spTree>
     <p:extLst>
       <p:ext uri="{BB962C8B-B14F-4D97-AF65-F5344CB8AC3E}">
-        <p14:creationId xmlns:p14="http://schemas.microsoft.com/office/powerpoint/2010/main" val="278973997"/>
+        <p14:creationId xmlns:p14="http://schemas.microsoft.com/office/powerpoint/2010/main" val="3682686406"/>
       </p:ext>
     </p:extLst>
   </p:cSld>
@@ -3689,7 +3752,7 @@
           <p:cNvPr id="2" name="Title 1">
             <a:extLst>
               <a:ext uri="{FF2B5EF4-FFF2-40B4-BE49-F238E27FC236}">
-                <a16:creationId xmlns:a16="http://schemas.microsoft.com/office/drawing/2014/main" id="{CFEDE876-4CD9-47BA-80AB-78C0173CE71F}"/>
+                <a16:creationId xmlns:a16="http://schemas.microsoft.com/office/drawing/2014/main" xmlns="" id="{989A4FBE-28CC-429E-8794-2E8F572A248E}"/>
               </a:ext>
             </a:extLst>
           </p:cNvPr>
@@ -3707,114 +3770,55 @@
           <a:p>
             <a:r>
               <a:rPr lang="de-CH" dirty="0"/>
-              <a:t>Interface </a:t>
-            </a:r>
-            <a:r>
-              <a:rPr lang="de-CH" dirty="0" err="1"/>
-              <a:t>Documentation</a:t>
+              <a:t>Reference</a:t>
+            </a:r>
+            <a:r>
+              <a:rPr lang="de-CH" baseline="0" dirty="0"/>
+              <a:t> Model</a:t>
             </a:r>
             <a:endParaRPr lang="de-CH" dirty="0"/>
           </a:p>
         </p:txBody>
       </p:sp>
-      <p:sp>
-        <p:nvSpPr>
-          <p:cNvPr id="3" name="Content Placeholder 2">
-            <a:extLst>
-              <a:ext uri="{FF2B5EF4-FFF2-40B4-BE49-F238E27FC236}">
-                <a16:creationId xmlns:a16="http://schemas.microsoft.com/office/drawing/2014/main" id="{E98B73FB-3B7E-420C-BE45-6D31621D0C2D}"/>
-              </a:ext>
-            </a:extLst>
-          </p:cNvPr>
-          <p:cNvSpPr>
-            <a:spLocks noGrp="1"/>
-          </p:cNvSpPr>
+      <p:pic>
+        <p:nvPicPr>
+          <p:cNvPr id="5" name="Content Placeholder 4" descr="A close up of a map&#10;&#10;Description automatically generated">
+            <a:extLst>
+              <a:ext uri="{FF2B5EF4-FFF2-40B4-BE49-F238E27FC236}">
+                <a16:creationId xmlns:a16="http://schemas.microsoft.com/office/drawing/2014/main" xmlns="" id="{F5FCF0A7-514C-4F43-9D06-1283B504894E}"/>
+              </a:ext>
+            </a:extLst>
+          </p:cNvPr>
+          <p:cNvPicPr>
+            <a:picLocks noGrp="1" noChangeAspect="1"/>
+          </p:cNvPicPr>
           <p:nvPr>
             <p:ph idx="1"/>
           </p:nvPr>
-        </p:nvSpPr>
-        <p:spPr/>
-        <p:txBody>
-          <a:bodyPr/>
-          <a:lstStyle/>
-          <a:p>
-            <a:r>
-              <a:rPr lang="de-CH" dirty="0" err="1"/>
-              <a:t>Todo</a:t>
-            </a:r>
-            <a:r>
-              <a:rPr lang="de-CH" dirty="0"/>
-              <a:t>: </a:t>
-            </a:r>
-            <a:r>
-              <a:rPr lang="de-CH" dirty="0" err="1"/>
-              <a:t>document</a:t>
-            </a:r>
-            <a:r>
-              <a:rPr lang="de-CH" dirty="0"/>
-              <a:t> </a:t>
-            </a:r>
-            <a:r>
-              <a:rPr lang="de-CH" dirty="0" err="1"/>
-              <a:t>interfaces</a:t>
-            </a:r>
-            <a:r>
-              <a:rPr lang="de-CH" dirty="0"/>
-              <a:t> </a:t>
-            </a:r>
-            <a:r>
-              <a:rPr lang="de-CH" dirty="0" err="1"/>
-              <a:t>according</a:t>
-            </a:r>
-            <a:r>
-              <a:rPr lang="de-CH" dirty="0"/>
-              <a:t> </a:t>
-            </a:r>
-            <a:r>
-              <a:rPr lang="de-CH" dirty="0" err="1"/>
-              <a:t>to</a:t>
-            </a:r>
-            <a:r>
-              <a:rPr lang="de-CH" dirty="0"/>
-              <a:t> </a:t>
-            </a:r>
-            <a:r>
-              <a:rPr lang="de-CH" dirty="0">
-                <a:hlinkClick r:id="rId2"/>
-              </a:rPr>
-              <a:t>https://github.com/fhnw-iot-4ia/iot-project-build-monitor/tree/master/Arduino</a:t>
-            </a:r>
-            <a:r>
-              <a:rPr lang="de-CH" dirty="0"/>
-              <a:t> &amp; </a:t>
-            </a:r>
-            <a:r>
-              <a:rPr lang="de-CH" dirty="0">
-                <a:hlinkClick r:id="rId3"/>
-              </a:rPr>
-              <a:t>https://github.com/fhnw-iot-4ia/iot-project-build-monitor/tree/master/Nodejs</a:t>
-            </a:r>
-            <a:r>
-              <a:rPr lang="de-CH" dirty="0"/>
-              <a:t> &amp; </a:t>
-            </a:r>
-            <a:r>
-              <a:rPr lang="de-CH" dirty="0">
-                <a:hlinkClick r:id="rId4"/>
-              </a:rPr>
-              <a:t>https://github.com/fhnw-iot-4ia/iot-project-build-monitor/tree/master/GCP</a:t>
-            </a:r>
-            <a:r>
-              <a:rPr lang="de-CH" dirty="0"/>
-              <a:t> </a:t>
-            </a:r>
-          </a:p>
-        </p:txBody>
-      </p:sp>
+        </p:nvPicPr>
+        <p:blipFill>
+          <a:blip r:embed="rId2">
+            <a:extLst>
+              <a:ext uri="{28A0092B-C50C-407E-A947-70E740481C1C}">
+                <a14:useLocalDpi xmlns:a14="http://schemas.microsoft.com/office/drawing/2010/main" val="0"/>
+              </a:ext>
+            </a:extLst>
+          </a:blip>
+          <a:stretch>
+            <a:fillRect/>
+          </a:stretch>
+        </p:blipFill>
+        <p:spPr>
+          <a:xfrm>
+            <a:off x="53477" y="1559560"/>
+            <a:ext cx="12183041" cy="4490720"/>
+          </a:xfrm>
+        </p:spPr>
+      </p:pic>
     </p:spTree>
     <p:extLst>
       <p:ext uri="{BB962C8B-B14F-4D97-AF65-F5344CB8AC3E}">
-        <p14:creationId xmlns:p14="http://schemas.microsoft.com/office/powerpoint/2010/main" val="3554435905"/>
+        <p14:creationId xmlns:p14="http://schemas.microsoft.com/office/powerpoint/2010/main" val="278973997"/>
       </p:ext>
     </p:extLst>
   </p:cSld>
@@ -3846,7 +3850,7 @@
           <p:cNvPr id="2" name="Title 1">
             <a:extLst>
               <a:ext uri="{FF2B5EF4-FFF2-40B4-BE49-F238E27FC236}">
-                <a16:creationId xmlns:a16="http://schemas.microsoft.com/office/drawing/2014/main" id="{9ADDA7EE-C7F8-4424-8587-AF1A11AD74C4}"/>
+                <a16:creationId xmlns:a16="http://schemas.microsoft.com/office/drawing/2014/main" xmlns="" id="{CFEDE876-4CD9-47BA-80AB-78C0173CE71F}"/>
               </a:ext>
             </a:extLst>
           </p:cNvPr>
@@ -3863,8 +3867,12 @@
           <a:lstStyle/>
           <a:p>
             <a:r>
+              <a:rPr lang="de-CH" dirty="0"/>
+              <a:t>Interface </a:t>
+            </a:r>
+            <a:r>
               <a:rPr lang="de-CH" dirty="0" err="1"/>
-              <a:t>Issues</a:t>
+              <a:t>Documentation</a:t>
             </a:r>
             <a:endParaRPr lang="de-CH" dirty="0"/>
           </a:p>
@@ -3875,7 +3883,7 @@
           <p:cNvPr id="3" name="Content Placeholder 2">
             <a:extLst>
               <a:ext uri="{FF2B5EF4-FFF2-40B4-BE49-F238E27FC236}">
-                <a16:creationId xmlns:a16="http://schemas.microsoft.com/office/drawing/2014/main" id="{A33267C2-0839-4A5D-A91B-9D4DCA23C6EB}"/>
+                <a16:creationId xmlns:a16="http://schemas.microsoft.com/office/drawing/2014/main" xmlns="" id="{E98B73FB-3B7E-420C-BE45-6D31621D0C2D}"/>
               </a:ext>
             </a:extLst>
           </p:cNvPr>
@@ -3891,14 +3899,83 @@
           <a:bodyPr/>
           <a:lstStyle/>
           <a:p>
-            <a:endParaRPr lang="de-CH"/>
+            <a:r>
+              <a:rPr lang="de-CH" dirty="0" err="1"/>
+              <a:t>Todo</a:t>
+            </a:r>
+            <a:r>
+              <a:rPr lang="de-CH" dirty="0"/>
+              <a:t>: </a:t>
+            </a:r>
+            <a:r>
+              <a:rPr lang="de-CH" dirty="0" err="1"/>
+              <a:t>document</a:t>
+            </a:r>
+            <a:r>
+              <a:rPr lang="de-CH" dirty="0"/>
+              <a:t> </a:t>
+            </a:r>
+            <a:r>
+              <a:rPr lang="de-CH" dirty="0" err="1"/>
+              <a:t>interfaces</a:t>
+            </a:r>
+            <a:r>
+              <a:rPr lang="de-CH" dirty="0"/>
+              <a:t> </a:t>
+            </a:r>
+            <a:r>
+              <a:rPr lang="de-CH" dirty="0" err="1"/>
+              <a:t>according</a:t>
+            </a:r>
+            <a:r>
+              <a:rPr lang="de-CH" dirty="0"/>
+              <a:t> </a:t>
+            </a:r>
+            <a:r>
+              <a:rPr lang="de-CH" dirty="0" err="1"/>
+              <a:t>to</a:t>
+            </a:r>
+            <a:r>
+              <a:rPr lang="de-CH" dirty="0"/>
+              <a:t> </a:t>
+            </a:r>
+            <a:r>
+              <a:rPr lang="de-CH" dirty="0">
+                <a:hlinkClick r:id="rId2"/>
+              </a:rPr>
+              <a:t>https://github.com/fhnw-iot-4ia/iot-project-build-monitor/tree/master/Arduino</a:t>
+            </a:r>
+            <a:r>
+              <a:rPr lang="de-CH" dirty="0"/>
+              <a:t> &amp; </a:t>
+            </a:r>
+            <a:r>
+              <a:rPr lang="de-CH" dirty="0">
+                <a:hlinkClick r:id="rId3"/>
+              </a:rPr>
+              <a:t>https://github.com/fhnw-iot-4ia/iot-project-build-monitor/tree/master/Nodejs</a:t>
+            </a:r>
+            <a:r>
+              <a:rPr lang="de-CH" dirty="0"/>
+              <a:t> &amp; </a:t>
+            </a:r>
+            <a:r>
+              <a:rPr lang="de-CH" dirty="0">
+                <a:hlinkClick r:id="rId4"/>
+              </a:rPr>
+              <a:t>https://github.com/fhnw-iot-4ia/iot-project-build-monitor/tree/master/GCP</a:t>
+            </a:r>
+            <a:r>
+              <a:rPr lang="de-CH" dirty="0"/>
+              <a:t> </a:t>
+            </a:r>
           </a:p>
         </p:txBody>
       </p:sp>
     </p:spTree>
     <p:extLst>
       <p:ext uri="{BB962C8B-B14F-4D97-AF65-F5344CB8AC3E}">
-        <p14:creationId xmlns:p14="http://schemas.microsoft.com/office/powerpoint/2010/main" val="372111944"/>
+        <p14:creationId xmlns:p14="http://schemas.microsoft.com/office/powerpoint/2010/main" val="3554435905"/>
       </p:ext>
     </p:extLst>
   </p:cSld>
@@ -3930,7 +4007,7 @@
           <p:cNvPr id="2" name="Title 1">
             <a:extLst>
               <a:ext uri="{FF2B5EF4-FFF2-40B4-BE49-F238E27FC236}">
-                <a16:creationId xmlns:a16="http://schemas.microsoft.com/office/drawing/2014/main" id="{F89A4C5F-DA28-4624-ADA5-24DE3D0F239B}"/>
+                <a16:creationId xmlns:a16="http://schemas.microsoft.com/office/drawing/2014/main" xmlns="" id="{9ADDA7EE-C7F8-4424-8587-AF1A11AD74C4}"/>
               </a:ext>
             </a:extLst>
           </p:cNvPr>
@@ -3947,9 +4024,10 @@
           <a:lstStyle/>
           <a:p>
             <a:r>
-              <a:rPr lang="de-CH" dirty="0"/>
-              <a:t>Live Demo</a:t>
-            </a:r>
+              <a:rPr lang="de-CH" dirty="0" err="1"/>
+              <a:t>Issues</a:t>
+            </a:r>
+            <a:endParaRPr lang="de-CH" dirty="0"/>
           </a:p>
         </p:txBody>
       </p:sp>
@@ -3958,7 +4036,7 @@
           <p:cNvPr id="3" name="Content Placeholder 2">
             <a:extLst>
               <a:ext uri="{FF2B5EF4-FFF2-40B4-BE49-F238E27FC236}">
-                <a16:creationId xmlns:a16="http://schemas.microsoft.com/office/drawing/2014/main" id="{F55DA950-D5EB-4CB5-AA72-C0E28E055409}"/>
+                <a16:creationId xmlns:a16="http://schemas.microsoft.com/office/drawing/2014/main" xmlns="" id="{A33267C2-0839-4A5D-A91B-9D4DCA23C6EB}"/>
               </a:ext>
             </a:extLst>
           </p:cNvPr>
@@ -3974,29 +4052,14 @@
           <a:bodyPr/>
           <a:lstStyle/>
           <a:p>
-            <a:r>
-              <a:rPr lang="de-CH" dirty="0">
-                <a:hlinkClick r:id="rId2"/>
-              </a:rPr>
-              <a:t>Jenkins CI</a:t>
-            </a:r>
-            <a:endParaRPr lang="de-CH" dirty="0"/>
-          </a:p>
-          <a:p>
-            <a:r>
-              <a:rPr lang="de-CH" dirty="0">
-                <a:hlinkClick r:id="rId3"/>
-              </a:rPr>
-              <a:t>MQTT Client</a:t>
-            </a:r>
-            <a:endParaRPr lang="de-CH" dirty="0"/>
+            <a:endParaRPr lang="de-CH"/>
           </a:p>
         </p:txBody>
       </p:sp>
     </p:spTree>
     <p:extLst>
       <p:ext uri="{BB962C8B-B14F-4D97-AF65-F5344CB8AC3E}">
-        <p14:creationId xmlns:p14="http://schemas.microsoft.com/office/powerpoint/2010/main" val="1850022409"/>
+        <p14:creationId xmlns:p14="http://schemas.microsoft.com/office/powerpoint/2010/main" val="372111944"/>
       </p:ext>
     </p:extLst>
   </p:cSld>

--- a/Documentation/build-monitor-presentation.pptx
+++ b/Documentation/build-monitor-presentation.pptx
@@ -150,7 +150,7 @@
           <p:cNvPr id="2" name="Title 1">
             <a:extLst>
               <a:ext uri="{FF2B5EF4-FFF2-40B4-BE49-F238E27FC236}">
-                <a16:creationId xmlns:a16="http://schemas.microsoft.com/office/drawing/2014/main" xmlns="" id="{A3F13F76-E813-4FA2-9F9A-D2A0C01C2142}"/>
+                <a16:creationId xmlns:a16="http://schemas.microsoft.com/office/drawing/2014/main" id="{A3F13F76-E813-4FA2-9F9A-D2A0C01C2142}"/>
               </a:ext>
             </a:extLst>
           </p:cNvPr>
@@ -188,7 +188,7 @@
           <p:cNvPr id="3" name="Subtitle 2">
             <a:extLst>
               <a:ext uri="{FF2B5EF4-FFF2-40B4-BE49-F238E27FC236}">
-                <a16:creationId xmlns:a16="http://schemas.microsoft.com/office/drawing/2014/main" xmlns="" id="{8E54553B-D039-4641-8331-DBB490669D37}"/>
+                <a16:creationId xmlns:a16="http://schemas.microsoft.com/office/drawing/2014/main" id="{8E54553B-D039-4641-8331-DBB490669D37}"/>
               </a:ext>
             </a:extLst>
           </p:cNvPr>
@@ -259,7 +259,7 @@
           <p:cNvPr id="4" name="Date Placeholder 3">
             <a:extLst>
               <a:ext uri="{FF2B5EF4-FFF2-40B4-BE49-F238E27FC236}">
-                <a16:creationId xmlns:a16="http://schemas.microsoft.com/office/drawing/2014/main" xmlns="" id="{42ED2072-E957-45BD-9BB7-9DAEF522C29C}"/>
+                <a16:creationId xmlns:a16="http://schemas.microsoft.com/office/drawing/2014/main" id="{42ED2072-E957-45BD-9BB7-9DAEF522C29C}"/>
               </a:ext>
             </a:extLst>
           </p:cNvPr>
@@ -277,7 +277,7 @@
           <a:p>
             <a:fld id="{3C82E5D1-C0C0-4E97-9029-D6ABAF1D00A6}" type="datetimeFigureOut">
               <a:rPr lang="de-CH" smtClean="0"/>
-              <a:t>27.05.19</a:t>
+              <a:t>02.06.2019</a:t>
             </a:fld>
             <a:endParaRPr lang="de-CH"/>
           </a:p>
@@ -288,7 +288,7 @@
           <p:cNvPr id="5" name="Footer Placeholder 4">
             <a:extLst>
               <a:ext uri="{FF2B5EF4-FFF2-40B4-BE49-F238E27FC236}">
-                <a16:creationId xmlns:a16="http://schemas.microsoft.com/office/drawing/2014/main" xmlns="" id="{8FD643A1-BD89-4D62-B583-339BFE1C71C0}"/>
+                <a16:creationId xmlns:a16="http://schemas.microsoft.com/office/drawing/2014/main" id="{8FD643A1-BD89-4D62-B583-339BFE1C71C0}"/>
               </a:ext>
             </a:extLst>
           </p:cNvPr>
@@ -313,7 +313,7 @@
           <p:cNvPr id="6" name="Slide Number Placeholder 5">
             <a:extLst>
               <a:ext uri="{FF2B5EF4-FFF2-40B4-BE49-F238E27FC236}">
-                <a16:creationId xmlns:a16="http://schemas.microsoft.com/office/drawing/2014/main" xmlns="" id="{6E2DED0B-E5A5-4E68-8C97-3E8085E7B32A}"/>
+                <a16:creationId xmlns:a16="http://schemas.microsoft.com/office/drawing/2014/main" id="{6E2DED0B-E5A5-4E68-8C97-3E8085E7B32A}"/>
               </a:ext>
             </a:extLst>
           </p:cNvPr>
@@ -331,7 +331,7 @@
           <a:p>
             <a:fld id="{EA6DE812-8A96-4512-B2B2-8520F85F318D}" type="slidenum">
               <a:rPr lang="de-CH" smtClean="0"/>
-              <a:t>‹Nr.›</a:t>
+              <a:t>‹#›</a:t>
             </a:fld>
             <a:endParaRPr lang="de-CH"/>
           </a:p>
@@ -372,7 +372,7 @@
           <p:cNvPr id="2" name="Title 1">
             <a:extLst>
               <a:ext uri="{FF2B5EF4-FFF2-40B4-BE49-F238E27FC236}">
-                <a16:creationId xmlns:a16="http://schemas.microsoft.com/office/drawing/2014/main" xmlns="" id="{80E48006-6A80-46D2-8602-B76DBF18CC2C}"/>
+                <a16:creationId xmlns:a16="http://schemas.microsoft.com/office/drawing/2014/main" id="{80E48006-6A80-46D2-8602-B76DBF18CC2C}"/>
               </a:ext>
             </a:extLst>
           </p:cNvPr>
@@ -401,7 +401,7 @@
           <p:cNvPr id="3" name="Vertical Text Placeholder 2">
             <a:extLst>
               <a:ext uri="{FF2B5EF4-FFF2-40B4-BE49-F238E27FC236}">
-                <a16:creationId xmlns:a16="http://schemas.microsoft.com/office/drawing/2014/main" xmlns="" id="{F8ADD12C-F856-4E32-BA55-9D5287EACF70}"/>
+                <a16:creationId xmlns:a16="http://schemas.microsoft.com/office/drawing/2014/main" id="{F8ADD12C-F856-4E32-BA55-9D5287EACF70}"/>
               </a:ext>
             </a:extLst>
           </p:cNvPr>
@@ -459,7 +459,7 @@
           <p:cNvPr id="4" name="Date Placeholder 3">
             <a:extLst>
               <a:ext uri="{FF2B5EF4-FFF2-40B4-BE49-F238E27FC236}">
-                <a16:creationId xmlns:a16="http://schemas.microsoft.com/office/drawing/2014/main" xmlns="" id="{7A44B855-1ADD-42C4-9E41-76F5874382BD}"/>
+                <a16:creationId xmlns:a16="http://schemas.microsoft.com/office/drawing/2014/main" id="{7A44B855-1ADD-42C4-9E41-76F5874382BD}"/>
               </a:ext>
             </a:extLst>
           </p:cNvPr>
@@ -477,7 +477,7 @@
           <a:p>
             <a:fld id="{3C82E5D1-C0C0-4E97-9029-D6ABAF1D00A6}" type="datetimeFigureOut">
               <a:rPr lang="de-CH" smtClean="0"/>
-              <a:t>27.05.19</a:t>
+              <a:t>02.06.2019</a:t>
             </a:fld>
             <a:endParaRPr lang="de-CH"/>
           </a:p>
@@ -488,7 +488,7 @@
           <p:cNvPr id="5" name="Footer Placeholder 4">
             <a:extLst>
               <a:ext uri="{FF2B5EF4-FFF2-40B4-BE49-F238E27FC236}">
-                <a16:creationId xmlns:a16="http://schemas.microsoft.com/office/drawing/2014/main" xmlns="" id="{D9F93C4D-E7BB-4140-B9CD-5B3775270741}"/>
+                <a16:creationId xmlns:a16="http://schemas.microsoft.com/office/drawing/2014/main" id="{D9F93C4D-E7BB-4140-B9CD-5B3775270741}"/>
               </a:ext>
             </a:extLst>
           </p:cNvPr>
@@ -513,7 +513,7 @@
           <p:cNvPr id="6" name="Slide Number Placeholder 5">
             <a:extLst>
               <a:ext uri="{FF2B5EF4-FFF2-40B4-BE49-F238E27FC236}">
-                <a16:creationId xmlns:a16="http://schemas.microsoft.com/office/drawing/2014/main" xmlns="" id="{338797A6-FF03-47D3-BAF4-B8F45A2AD904}"/>
+                <a16:creationId xmlns:a16="http://schemas.microsoft.com/office/drawing/2014/main" id="{338797A6-FF03-47D3-BAF4-B8F45A2AD904}"/>
               </a:ext>
             </a:extLst>
           </p:cNvPr>
@@ -531,7 +531,7 @@
           <a:p>
             <a:fld id="{EA6DE812-8A96-4512-B2B2-8520F85F318D}" type="slidenum">
               <a:rPr lang="de-CH" smtClean="0"/>
-              <a:t>‹Nr.›</a:t>
+              <a:t>‹#›</a:t>
             </a:fld>
             <a:endParaRPr lang="de-CH"/>
           </a:p>
@@ -572,7 +572,7 @@
           <p:cNvPr id="2" name="Vertical Title 1">
             <a:extLst>
               <a:ext uri="{FF2B5EF4-FFF2-40B4-BE49-F238E27FC236}">
-                <a16:creationId xmlns:a16="http://schemas.microsoft.com/office/drawing/2014/main" xmlns="" id="{ABEDD241-4D08-4D6B-8B31-64FBBE286299}"/>
+                <a16:creationId xmlns:a16="http://schemas.microsoft.com/office/drawing/2014/main" id="{ABEDD241-4D08-4D6B-8B31-64FBBE286299}"/>
               </a:ext>
             </a:extLst>
           </p:cNvPr>
@@ -606,7 +606,7 @@
           <p:cNvPr id="3" name="Vertical Text Placeholder 2">
             <a:extLst>
               <a:ext uri="{FF2B5EF4-FFF2-40B4-BE49-F238E27FC236}">
-                <a16:creationId xmlns:a16="http://schemas.microsoft.com/office/drawing/2014/main" xmlns="" id="{A15FFA4E-4573-4E59-A64C-518FA17ED9AE}"/>
+                <a16:creationId xmlns:a16="http://schemas.microsoft.com/office/drawing/2014/main" id="{A15FFA4E-4573-4E59-A64C-518FA17ED9AE}"/>
               </a:ext>
             </a:extLst>
           </p:cNvPr>
@@ -669,7 +669,7 @@
           <p:cNvPr id="4" name="Date Placeholder 3">
             <a:extLst>
               <a:ext uri="{FF2B5EF4-FFF2-40B4-BE49-F238E27FC236}">
-                <a16:creationId xmlns:a16="http://schemas.microsoft.com/office/drawing/2014/main" xmlns="" id="{031906D3-7E18-4504-B927-6BAEF1E85BC6}"/>
+                <a16:creationId xmlns:a16="http://schemas.microsoft.com/office/drawing/2014/main" id="{031906D3-7E18-4504-B927-6BAEF1E85BC6}"/>
               </a:ext>
             </a:extLst>
           </p:cNvPr>
@@ -687,7 +687,7 @@
           <a:p>
             <a:fld id="{3C82E5D1-C0C0-4E97-9029-D6ABAF1D00A6}" type="datetimeFigureOut">
               <a:rPr lang="de-CH" smtClean="0"/>
-              <a:t>27.05.19</a:t>
+              <a:t>02.06.2019</a:t>
             </a:fld>
             <a:endParaRPr lang="de-CH"/>
           </a:p>
@@ -698,7 +698,7 @@
           <p:cNvPr id="5" name="Footer Placeholder 4">
             <a:extLst>
               <a:ext uri="{FF2B5EF4-FFF2-40B4-BE49-F238E27FC236}">
-                <a16:creationId xmlns:a16="http://schemas.microsoft.com/office/drawing/2014/main" xmlns="" id="{5ECD4344-7BA3-4575-9F4D-E325B9D8EF20}"/>
+                <a16:creationId xmlns:a16="http://schemas.microsoft.com/office/drawing/2014/main" id="{5ECD4344-7BA3-4575-9F4D-E325B9D8EF20}"/>
               </a:ext>
             </a:extLst>
           </p:cNvPr>
@@ -723,7 +723,7 @@
           <p:cNvPr id="6" name="Slide Number Placeholder 5">
             <a:extLst>
               <a:ext uri="{FF2B5EF4-FFF2-40B4-BE49-F238E27FC236}">
-                <a16:creationId xmlns:a16="http://schemas.microsoft.com/office/drawing/2014/main" xmlns="" id="{964D712A-AC77-4063-83E2-AAB4BBD9A747}"/>
+                <a16:creationId xmlns:a16="http://schemas.microsoft.com/office/drawing/2014/main" id="{964D712A-AC77-4063-83E2-AAB4BBD9A747}"/>
               </a:ext>
             </a:extLst>
           </p:cNvPr>
@@ -741,7 +741,7 @@
           <a:p>
             <a:fld id="{EA6DE812-8A96-4512-B2B2-8520F85F318D}" type="slidenum">
               <a:rPr lang="de-CH" smtClean="0"/>
-              <a:t>‹Nr.›</a:t>
+              <a:t>‹#›</a:t>
             </a:fld>
             <a:endParaRPr lang="de-CH"/>
           </a:p>
@@ -782,7 +782,7 @@
           <p:cNvPr id="2" name="Title 1">
             <a:extLst>
               <a:ext uri="{FF2B5EF4-FFF2-40B4-BE49-F238E27FC236}">
-                <a16:creationId xmlns:a16="http://schemas.microsoft.com/office/drawing/2014/main" xmlns="" id="{65E25AC4-BE63-40B8-8FD5-7ABFF7E1352E}"/>
+                <a16:creationId xmlns:a16="http://schemas.microsoft.com/office/drawing/2014/main" id="{65E25AC4-BE63-40B8-8FD5-7ABFF7E1352E}"/>
               </a:ext>
             </a:extLst>
           </p:cNvPr>
@@ -811,7 +811,7 @@
           <p:cNvPr id="3" name="Content Placeholder 2">
             <a:extLst>
               <a:ext uri="{FF2B5EF4-FFF2-40B4-BE49-F238E27FC236}">
-                <a16:creationId xmlns:a16="http://schemas.microsoft.com/office/drawing/2014/main" xmlns="" id="{91708C4B-DECA-4B3D-B2C4-DA66BCC06F4B}"/>
+                <a16:creationId xmlns:a16="http://schemas.microsoft.com/office/drawing/2014/main" id="{91708C4B-DECA-4B3D-B2C4-DA66BCC06F4B}"/>
               </a:ext>
             </a:extLst>
           </p:cNvPr>
@@ -869,7 +869,7 @@
           <p:cNvPr id="4" name="Date Placeholder 3">
             <a:extLst>
               <a:ext uri="{FF2B5EF4-FFF2-40B4-BE49-F238E27FC236}">
-                <a16:creationId xmlns:a16="http://schemas.microsoft.com/office/drawing/2014/main" xmlns="" id="{292DFE6C-0803-40BC-B089-A75C858A85DC}"/>
+                <a16:creationId xmlns:a16="http://schemas.microsoft.com/office/drawing/2014/main" id="{292DFE6C-0803-40BC-B089-A75C858A85DC}"/>
               </a:ext>
             </a:extLst>
           </p:cNvPr>
@@ -887,7 +887,7 @@
           <a:p>
             <a:fld id="{3C82E5D1-C0C0-4E97-9029-D6ABAF1D00A6}" type="datetimeFigureOut">
               <a:rPr lang="de-CH" smtClean="0"/>
-              <a:t>27.05.19</a:t>
+              <a:t>02.06.2019</a:t>
             </a:fld>
             <a:endParaRPr lang="de-CH"/>
           </a:p>
@@ -898,7 +898,7 @@
           <p:cNvPr id="5" name="Footer Placeholder 4">
             <a:extLst>
               <a:ext uri="{FF2B5EF4-FFF2-40B4-BE49-F238E27FC236}">
-                <a16:creationId xmlns:a16="http://schemas.microsoft.com/office/drawing/2014/main" xmlns="" id="{5273836C-07A3-481C-9885-1FE6AD28C40F}"/>
+                <a16:creationId xmlns:a16="http://schemas.microsoft.com/office/drawing/2014/main" id="{5273836C-07A3-481C-9885-1FE6AD28C40F}"/>
               </a:ext>
             </a:extLst>
           </p:cNvPr>
@@ -923,7 +923,7 @@
           <p:cNvPr id="6" name="Slide Number Placeholder 5">
             <a:extLst>
               <a:ext uri="{FF2B5EF4-FFF2-40B4-BE49-F238E27FC236}">
-                <a16:creationId xmlns:a16="http://schemas.microsoft.com/office/drawing/2014/main" xmlns="" id="{4C9944BA-C46E-4BF1-86E9-7B7232AD5D16}"/>
+                <a16:creationId xmlns:a16="http://schemas.microsoft.com/office/drawing/2014/main" id="{4C9944BA-C46E-4BF1-86E9-7B7232AD5D16}"/>
               </a:ext>
             </a:extLst>
           </p:cNvPr>
@@ -941,7 +941,7 @@
           <a:p>
             <a:fld id="{EA6DE812-8A96-4512-B2B2-8520F85F318D}" type="slidenum">
               <a:rPr lang="de-CH" smtClean="0"/>
-              <a:t>‹Nr.›</a:t>
+              <a:t>‹#›</a:t>
             </a:fld>
             <a:endParaRPr lang="de-CH"/>
           </a:p>
@@ -982,7 +982,7 @@
           <p:cNvPr id="2" name="Title 1">
             <a:extLst>
               <a:ext uri="{FF2B5EF4-FFF2-40B4-BE49-F238E27FC236}">
-                <a16:creationId xmlns:a16="http://schemas.microsoft.com/office/drawing/2014/main" xmlns="" id="{C1633E6D-BBA7-466E-AFDA-29BA738A8375}"/>
+                <a16:creationId xmlns:a16="http://schemas.microsoft.com/office/drawing/2014/main" id="{C1633E6D-BBA7-466E-AFDA-29BA738A8375}"/>
               </a:ext>
             </a:extLst>
           </p:cNvPr>
@@ -1020,7 +1020,7 @@
           <p:cNvPr id="3" name="Text Placeholder 2">
             <a:extLst>
               <a:ext uri="{FF2B5EF4-FFF2-40B4-BE49-F238E27FC236}">
-                <a16:creationId xmlns:a16="http://schemas.microsoft.com/office/drawing/2014/main" xmlns="" id="{4ECBA8E5-046E-4A65-9F5E-101C41F019A2}"/>
+                <a16:creationId xmlns:a16="http://schemas.microsoft.com/office/drawing/2014/main" id="{4ECBA8E5-046E-4A65-9F5E-101C41F019A2}"/>
               </a:ext>
             </a:extLst>
           </p:cNvPr>
@@ -1145,7 +1145,7 @@
           <p:cNvPr id="4" name="Date Placeholder 3">
             <a:extLst>
               <a:ext uri="{FF2B5EF4-FFF2-40B4-BE49-F238E27FC236}">
-                <a16:creationId xmlns:a16="http://schemas.microsoft.com/office/drawing/2014/main" xmlns="" id="{F11D639D-B54B-4134-998F-508A4C6E528F}"/>
+                <a16:creationId xmlns:a16="http://schemas.microsoft.com/office/drawing/2014/main" id="{F11D639D-B54B-4134-998F-508A4C6E528F}"/>
               </a:ext>
             </a:extLst>
           </p:cNvPr>
@@ -1163,7 +1163,7 @@
           <a:p>
             <a:fld id="{3C82E5D1-C0C0-4E97-9029-D6ABAF1D00A6}" type="datetimeFigureOut">
               <a:rPr lang="de-CH" smtClean="0"/>
-              <a:t>27.05.19</a:t>
+              <a:t>02.06.2019</a:t>
             </a:fld>
             <a:endParaRPr lang="de-CH"/>
           </a:p>
@@ -1174,7 +1174,7 @@
           <p:cNvPr id="5" name="Footer Placeholder 4">
             <a:extLst>
               <a:ext uri="{FF2B5EF4-FFF2-40B4-BE49-F238E27FC236}">
-                <a16:creationId xmlns:a16="http://schemas.microsoft.com/office/drawing/2014/main" xmlns="" id="{704B8B27-70A1-4D16-9B51-AA0DFD58A1D5}"/>
+                <a16:creationId xmlns:a16="http://schemas.microsoft.com/office/drawing/2014/main" id="{704B8B27-70A1-4D16-9B51-AA0DFD58A1D5}"/>
               </a:ext>
             </a:extLst>
           </p:cNvPr>
@@ -1199,7 +1199,7 @@
           <p:cNvPr id="6" name="Slide Number Placeholder 5">
             <a:extLst>
               <a:ext uri="{FF2B5EF4-FFF2-40B4-BE49-F238E27FC236}">
-                <a16:creationId xmlns:a16="http://schemas.microsoft.com/office/drawing/2014/main" xmlns="" id="{3CBDA09F-3BB2-4EF5-A815-073E2216256E}"/>
+                <a16:creationId xmlns:a16="http://schemas.microsoft.com/office/drawing/2014/main" id="{3CBDA09F-3BB2-4EF5-A815-073E2216256E}"/>
               </a:ext>
             </a:extLst>
           </p:cNvPr>
@@ -1217,7 +1217,7 @@
           <a:p>
             <a:fld id="{EA6DE812-8A96-4512-B2B2-8520F85F318D}" type="slidenum">
               <a:rPr lang="de-CH" smtClean="0"/>
-              <a:t>‹Nr.›</a:t>
+              <a:t>‹#›</a:t>
             </a:fld>
             <a:endParaRPr lang="de-CH"/>
           </a:p>
@@ -1258,7 +1258,7 @@
           <p:cNvPr id="2" name="Title 1">
             <a:extLst>
               <a:ext uri="{FF2B5EF4-FFF2-40B4-BE49-F238E27FC236}">
-                <a16:creationId xmlns:a16="http://schemas.microsoft.com/office/drawing/2014/main" xmlns="" id="{7E464292-FC0B-4CC6-ABAC-D746A1D4298B}"/>
+                <a16:creationId xmlns:a16="http://schemas.microsoft.com/office/drawing/2014/main" id="{7E464292-FC0B-4CC6-ABAC-D746A1D4298B}"/>
               </a:ext>
             </a:extLst>
           </p:cNvPr>
@@ -1287,7 +1287,7 @@
           <p:cNvPr id="3" name="Content Placeholder 2">
             <a:extLst>
               <a:ext uri="{FF2B5EF4-FFF2-40B4-BE49-F238E27FC236}">
-                <a16:creationId xmlns:a16="http://schemas.microsoft.com/office/drawing/2014/main" xmlns="" id="{5303542D-C9F7-445B-A815-253BBD322716}"/>
+                <a16:creationId xmlns:a16="http://schemas.microsoft.com/office/drawing/2014/main" id="{5303542D-C9F7-445B-A815-253BBD322716}"/>
               </a:ext>
             </a:extLst>
           </p:cNvPr>
@@ -1350,7 +1350,7 @@
           <p:cNvPr id="4" name="Content Placeholder 3">
             <a:extLst>
               <a:ext uri="{FF2B5EF4-FFF2-40B4-BE49-F238E27FC236}">
-                <a16:creationId xmlns:a16="http://schemas.microsoft.com/office/drawing/2014/main" xmlns="" id="{81C11DBA-0036-4B84-B691-C84796AF2239}"/>
+                <a16:creationId xmlns:a16="http://schemas.microsoft.com/office/drawing/2014/main" id="{81C11DBA-0036-4B84-B691-C84796AF2239}"/>
               </a:ext>
             </a:extLst>
           </p:cNvPr>
@@ -1413,7 +1413,7 @@
           <p:cNvPr id="5" name="Date Placeholder 4">
             <a:extLst>
               <a:ext uri="{FF2B5EF4-FFF2-40B4-BE49-F238E27FC236}">
-                <a16:creationId xmlns:a16="http://schemas.microsoft.com/office/drawing/2014/main" xmlns="" id="{6BB37D9E-DE7C-4F84-9184-0E9554E7EC9E}"/>
+                <a16:creationId xmlns:a16="http://schemas.microsoft.com/office/drawing/2014/main" id="{6BB37D9E-DE7C-4F84-9184-0E9554E7EC9E}"/>
               </a:ext>
             </a:extLst>
           </p:cNvPr>
@@ -1431,7 +1431,7 @@
           <a:p>
             <a:fld id="{3C82E5D1-C0C0-4E97-9029-D6ABAF1D00A6}" type="datetimeFigureOut">
               <a:rPr lang="de-CH" smtClean="0"/>
-              <a:t>27.05.19</a:t>
+              <a:t>02.06.2019</a:t>
             </a:fld>
             <a:endParaRPr lang="de-CH"/>
           </a:p>
@@ -1442,7 +1442,7 @@
           <p:cNvPr id="6" name="Footer Placeholder 5">
             <a:extLst>
               <a:ext uri="{FF2B5EF4-FFF2-40B4-BE49-F238E27FC236}">
-                <a16:creationId xmlns:a16="http://schemas.microsoft.com/office/drawing/2014/main" xmlns="" id="{3FE007AF-E855-4B66-9C09-5A273C12F4F7}"/>
+                <a16:creationId xmlns:a16="http://schemas.microsoft.com/office/drawing/2014/main" id="{3FE007AF-E855-4B66-9C09-5A273C12F4F7}"/>
               </a:ext>
             </a:extLst>
           </p:cNvPr>
@@ -1467,7 +1467,7 @@
           <p:cNvPr id="7" name="Slide Number Placeholder 6">
             <a:extLst>
               <a:ext uri="{FF2B5EF4-FFF2-40B4-BE49-F238E27FC236}">
-                <a16:creationId xmlns:a16="http://schemas.microsoft.com/office/drawing/2014/main" xmlns="" id="{218CDDFB-9CCA-465C-8C8E-8B5CA3FE3FC6}"/>
+                <a16:creationId xmlns:a16="http://schemas.microsoft.com/office/drawing/2014/main" id="{218CDDFB-9CCA-465C-8C8E-8B5CA3FE3FC6}"/>
               </a:ext>
             </a:extLst>
           </p:cNvPr>
@@ -1485,7 +1485,7 @@
           <a:p>
             <a:fld id="{EA6DE812-8A96-4512-B2B2-8520F85F318D}" type="slidenum">
               <a:rPr lang="de-CH" smtClean="0"/>
-              <a:t>‹Nr.›</a:t>
+              <a:t>‹#›</a:t>
             </a:fld>
             <a:endParaRPr lang="de-CH"/>
           </a:p>
@@ -1526,7 +1526,7 @@
           <p:cNvPr id="2" name="Title 1">
             <a:extLst>
               <a:ext uri="{FF2B5EF4-FFF2-40B4-BE49-F238E27FC236}">
-                <a16:creationId xmlns:a16="http://schemas.microsoft.com/office/drawing/2014/main" xmlns="" id="{8F04D7E4-6834-4317-859A-23F279954DF6}"/>
+                <a16:creationId xmlns:a16="http://schemas.microsoft.com/office/drawing/2014/main" id="{8F04D7E4-6834-4317-859A-23F279954DF6}"/>
               </a:ext>
             </a:extLst>
           </p:cNvPr>
@@ -1560,7 +1560,7 @@
           <p:cNvPr id="3" name="Text Placeholder 2">
             <a:extLst>
               <a:ext uri="{FF2B5EF4-FFF2-40B4-BE49-F238E27FC236}">
-                <a16:creationId xmlns:a16="http://schemas.microsoft.com/office/drawing/2014/main" xmlns="" id="{D03CFFBF-8956-4A2F-A141-41EE0BF47349}"/>
+                <a16:creationId xmlns:a16="http://schemas.microsoft.com/office/drawing/2014/main" id="{D03CFFBF-8956-4A2F-A141-41EE0BF47349}"/>
               </a:ext>
             </a:extLst>
           </p:cNvPr>
@@ -1631,7 +1631,7 @@
           <p:cNvPr id="4" name="Content Placeholder 3">
             <a:extLst>
               <a:ext uri="{FF2B5EF4-FFF2-40B4-BE49-F238E27FC236}">
-                <a16:creationId xmlns:a16="http://schemas.microsoft.com/office/drawing/2014/main" xmlns="" id="{ED97EB31-D817-4296-9297-615F3D15D0A8}"/>
+                <a16:creationId xmlns:a16="http://schemas.microsoft.com/office/drawing/2014/main" id="{ED97EB31-D817-4296-9297-615F3D15D0A8}"/>
               </a:ext>
             </a:extLst>
           </p:cNvPr>
@@ -1694,7 +1694,7 @@
           <p:cNvPr id="5" name="Text Placeholder 4">
             <a:extLst>
               <a:ext uri="{FF2B5EF4-FFF2-40B4-BE49-F238E27FC236}">
-                <a16:creationId xmlns:a16="http://schemas.microsoft.com/office/drawing/2014/main" xmlns="" id="{89009F7A-1EB4-4457-8C95-D5FDAEC4596A}"/>
+                <a16:creationId xmlns:a16="http://schemas.microsoft.com/office/drawing/2014/main" id="{89009F7A-1EB4-4457-8C95-D5FDAEC4596A}"/>
               </a:ext>
             </a:extLst>
           </p:cNvPr>
@@ -1765,7 +1765,7 @@
           <p:cNvPr id="6" name="Content Placeholder 5">
             <a:extLst>
               <a:ext uri="{FF2B5EF4-FFF2-40B4-BE49-F238E27FC236}">
-                <a16:creationId xmlns:a16="http://schemas.microsoft.com/office/drawing/2014/main" xmlns="" id="{1A718829-315B-4320-B067-FF7A45BFCFE4}"/>
+                <a16:creationId xmlns:a16="http://schemas.microsoft.com/office/drawing/2014/main" id="{1A718829-315B-4320-B067-FF7A45BFCFE4}"/>
               </a:ext>
             </a:extLst>
           </p:cNvPr>
@@ -1828,7 +1828,7 @@
           <p:cNvPr id="7" name="Date Placeholder 6">
             <a:extLst>
               <a:ext uri="{FF2B5EF4-FFF2-40B4-BE49-F238E27FC236}">
-                <a16:creationId xmlns:a16="http://schemas.microsoft.com/office/drawing/2014/main" xmlns="" id="{514A25FE-681F-4C31-A916-7DE1CAF3CECC}"/>
+                <a16:creationId xmlns:a16="http://schemas.microsoft.com/office/drawing/2014/main" id="{514A25FE-681F-4C31-A916-7DE1CAF3CECC}"/>
               </a:ext>
             </a:extLst>
           </p:cNvPr>
@@ -1846,7 +1846,7 @@
           <a:p>
             <a:fld id="{3C82E5D1-C0C0-4E97-9029-D6ABAF1D00A6}" type="datetimeFigureOut">
               <a:rPr lang="de-CH" smtClean="0"/>
-              <a:t>27.05.19</a:t>
+              <a:t>02.06.2019</a:t>
             </a:fld>
             <a:endParaRPr lang="de-CH"/>
           </a:p>
@@ -1857,7 +1857,7 @@
           <p:cNvPr id="8" name="Footer Placeholder 7">
             <a:extLst>
               <a:ext uri="{FF2B5EF4-FFF2-40B4-BE49-F238E27FC236}">
-                <a16:creationId xmlns:a16="http://schemas.microsoft.com/office/drawing/2014/main" xmlns="" id="{6B52B77D-9841-4325-8F2B-A12BBFDDC6DC}"/>
+                <a16:creationId xmlns:a16="http://schemas.microsoft.com/office/drawing/2014/main" id="{6B52B77D-9841-4325-8F2B-A12BBFDDC6DC}"/>
               </a:ext>
             </a:extLst>
           </p:cNvPr>
@@ -1882,7 +1882,7 @@
           <p:cNvPr id="9" name="Slide Number Placeholder 8">
             <a:extLst>
               <a:ext uri="{FF2B5EF4-FFF2-40B4-BE49-F238E27FC236}">
-                <a16:creationId xmlns:a16="http://schemas.microsoft.com/office/drawing/2014/main" xmlns="" id="{71ADA048-8FEB-4877-8DD8-33A2D718C13A}"/>
+                <a16:creationId xmlns:a16="http://schemas.microsoft.com/office/drawing/2014/main" id="{71ADA048-8FEB-4877-8DD8-33A2D718C13A}"/>
               </a:ext>
             </a:extLst>
           </p:cNvPr>
@@ -1900,7 +1900,7 @@
           <a:p>
             <a:fld id="{EA6DE812-8A96-4512-B2B2-8520F85F318D}" type="slidenum">
               <a:rPr lang="de-CH" smtClean="0"/>
-              <a:t>‹Nr.›</a:t>
+              <a:t>‹#›</a:t>
             </a:fld>
             <a:endParaRPr lang="de-CH"/>
           </a:p>
@@ -1941,7 +1941,7 @@
           <p:cNvPr id="2" name="Title 1">
             <a:extLst>
               <a:ext uri="{FF2B5EF4-FFF2-40B4-BE49-F238E27FC236}">
-                <a16:creationId xmlns:a16="http://schemas.microsoft.com/office/drawing/2014/main" xmlns="" id="{E0C14C95-A07C-4448-B585-8B92B2E9BA55}"/>
+                <a16:creationId xmlns:a16="http://schemas.microsoft.com/office/drawing/2014/main" id="{E0C14C95-A07C-4448-B585-8B92B2E9BA55}"/>
               </a:ext>
             </a:extLst>
           </p:cNvPr>
@@ -1970,7 +1970,7 @@
           <p:cNvPr id="3" name="Date Placeholder 2">
             <a:extLst>
               <a:ext uri="{FF2B5EF4-FFF2-40B4-BE49-F238E27FC236}">
-                <a16:creationId xmlns:a16="http://schemas.microsoft.com/office/drawing/2014/main" xmlns="" id="{8D4FA196-DC35-40D1-B16A-1C70098F804B}"/>
+                <a16:creationId xmlns:a16="http://schemas.microsoft.com/office/drawing/2014/main" id="{8D4FA196-DC35-40D1-B16A-1C70098F804B}"/>
               </a:ext>
             </a:extLst>
           </p:cNvPr>
@@ -1988,7 +1988,7 @@
           <a:p>
             <a:fld id="{3C82E5D1-C0C0-4E97-9029-D6ABAF1D00A6}" type="datetimeFigureOut">
               <a:rPr lang="de-CH" smtClean="0"/>
-              <a:t>27.05.19</a:t>
+              <a:t>02.06.2019</a:t>
             </a:fld>
             <a:endParaRPr lang="de-CH"/>
           </a:p>
@@ -1999,7 +1999,7 @@
           <p:cNvPr id="4" name="Footer Placeholder 3">
             <a:extLst>
               <a:ext uri="{FF2B5EF4-FFF2-40B4-BE49-F238E27FC236}">
-                <a16:creationId xmlns:a16="http://schemas.microsoft.com/office/drawing/2014/main" xmlns="" id="{EBBC2E21-4E79-4D36-A54E-4000920F3912}"/>
+                <a16:creationId xmlns:a16="http://schemas.microsoft.com/office/drawing/2014/main" id="{EBBC2E21-4E79-4D36-A54E-4000920F3912}"/>
               </a:ext>
             </a:extLst>
           </p:cNvPr>
@@ -2024,7 +2024,7 @@
           <p:cNvPr id="5" name="Slide Number Placeholder 4">
             <a:extLst>
               <a:ext uri="{FF2B5EF4-FFF2-40B4-BE49-F238E27FC236}">
-                <a16:creationId xmlns:a16="http://schemas.microsoft.com/office/drawing/2014/main" xmlns="" id="{E7E2BBB4-12D3-45DD-86D0-0E69F9F632FC}"/>
+                <a16:creationId xmlns:a16="http://schemas.microsoft.com/office/drawing/2014/main" id="{E7E2BBB4-12D3-45DD-86D0-0E69F9F632FC}"/>
               </a:ext>
             </a:extLst>
           </p:cNvPr>
@@ -2042,7 +2042,7 @@
           <a:p>
             <a:fld id="{EA6DE812-8A96-4512-B2B2-8520F85F318D}" type="slidenum">
               <a:rPr lang="de-CH" smtClean="0"/>
-              <a:t>‹Nr.›</a:t>
+              <a:t>‹#›</a:t>
             </a:fld>
             <a:endParaRPr lang="de-CH"/>
           </a:p>
@@ -2083,7 +2083,7 @@
           <p:cNvPr id="2" name="Date Placeholder 1">
             <a:extLst>
               <a:ext uri="{FF2B5EF4-FFF2-40B4-BE49-F238E27FC236}">
-                <a16:creationId xmlns:a16="http://schemas.microsoft.com/office/drawing/2014/main" xmlns="" id="{843E9504-F873-406A-A147-B2E524F363C5}"/>
+                <a16:creationId xmlns:a16="http://schemas.microsoft.com/office/drawing/2014/main" id="{843E9504-F873-406A-A147-B2E524F363C5}"/>
               </a:ext>
             </a:extLst>
           </p:cNvPr>
@@ -2101,7 +2101,7 @@
           <a:p>
             <a:fld id="{3C82E5D1-C0C0-4E97-9029-D6ABAF1D00A6}" type="datetimeFigureOut">
               <a:rPr lang="de-CH" smtClean="0"/>
-              <a:t>27.05.19</a:t>
+              <a:t>02.06.2019</a:t>
             </a:fld>
             <a:endParaRPr lang="de-CH"/>
           </a:p>
@@ -2112,7 +2112,7 @@
           <p:cNvPr id="3" name="Footer Placeholder 2">
             <a:extLst>
               <a:ext uri="{FF2B5EF4-FFF2-40B4-BE49-F238E27FC236}">
-                <a16:creationId xmlns:a16="http://schemas.microsoft.com/office/drawing/2014/main" xmlns="" id="{A6948A02-AF8D-4485-BB34-2A73699B5B3D}"/>
+                <a16:creationId xmlns:a16="http://schemas.microsoft.com/office/drawing/2014/main" id="{A6948A02-AF8D-4485-BB34-2A73699B5B3D}"/>
               </a:ext>
             </a:extLst>
           </p:cNvPr>
@@ -2137,7 +2137,7 @@
           <p:cNvPr id="4" name="Slide Number Placeholder 3">
             <a:extLst>
               <a:ext uri="{FF2B5EF4-FFF2-40B4-BE49-F238E27FC236}">
-                <a16:creationId xmlns:a16="http://schemas.microsoft.com/office/drawing/2014/main" xmlns="" id="{F63E0D79-6103-4ED3-892E-2A1E431E18A4}"/>
+                <a16:creationId xmlns:a16="http://schemas.microsoft.com/office/drawing/2014/main" id="{F63E0D79-6103-4ED3-892E-2A1E431E18A4}"/>
               </a:ext>
             </a:extLst>
           </p:cNvPr>
@@ -2155,7 +2155,7 @@
           <a:p>
             <a:fld id="{EA6DE812-8A96-4512-B2B2-8520F85F318D}" type="slidenum">
               <a:rPr lang="de-CH" smtClean="0"/>
-              <a:t>‹Nr.›</a:t>
+              <a:t>‹#›</a:t>
             </a:fld>
             <a:endParaRPr lang="de-CH"/>
           </a:p>
@@ -2196,7 +2196,7 @@
           <p:cNvPr id="2" name="Title 1">
             <a:extLst>
               <a:ext uri="{FF2B5EF4-FFF2-40B4-BE49-F238E27FC236}">
-                <a16:creationId xmlns:a16="http://schemas.microsoft.com/office/drawing/2014/main" xmlns="" id="{30C2E7B2-637F-46A4-9A66-2C7EDAD4F56E}"/>
+                <a16:creationId xmlns:a16="http://schemas.microsoft.com/office/drawing/2014/main" id="{30C2E7B2-637F-46A4-9A66-2C7EDAD4F56E}"/>
               </a:ext>
             </a:extLst>
           </p:cNvPr>
@@ -2234,7 +2234,7 @@
           <p:cNvPr id="3" name="Content Placeholder 2">
             <a:extLst>
               <a:ext uri="{FF2B5EF4-FFF2-40B4-BE49-F238E27FC236}">
-                <a16:creationId xmlns:a16="http://schemas.microsoft.com/office/drawing/2014/main" xmlns="" id="{B061708A-1ABA-4DB7-8AF3-0968EFF6FB86}"/>
+                <a16:creationId xmlns:a16="http://schemas.microsoft.com/office/drawing/2014/main" id="{B061708A-1ABA-4DB7-8AF3-0968EFF6FB86}"/>
               </a:ext>
             </a:extLst>
           </p:cNvPr>
@@ -2325,7 +2325,7 @@
           <p:cNvPr id="4" name="Text Placeholder 3">
             <a:extLst>
               <a:ext uri="{FF2B5EF4-FFF2-40B4-BE49-F238E27FC236}">
-                <a16:creationId xmlns:a16="http://schemas.microsoft.com/office/drawing/2014/main" xmlns="" id="{25C54DCE-B4C7-4255-91C8-E3E7A1206E26}"/>
+                <a16:creationId xmlns:a16="http://schemas.microsoft.com/office/drawing/2014/main" id="{25C54DCE-B4C7-4255-91C8-E3E7A1206E26}"/>
               </a:ext>
             </a:extLst>
           </p:cNvPr>
@@ -2396,7 +2396,7 @@
           <p:cNvPr id="5" name="Date Placeholder 4">
             <a:extLst>
               <a:ext uri="{FF2B5EF4-FFF2-40B4-BE49-F238E27FC236}">
-                <a16:creationId xmlns:a16="http://schemas.microsoft.com/office/drawing/2014/main" xmlns="" id="{DE0C6D82-D817-4893-9055-EC7841302099}"/>
+                <a16:creationId xmlns:a16="http://schemas.microsoft.com/office/drawing/2014/main" id="{DE0C6D82-D817-4893-9055-EC7841302099}"/>
               </a:ext>
             </a:extLst>
           </p:cNvPr>
@@ -2414,7 +2414,7 @@
           <a:p>
             <a:fld id="{3C82E5D1-C0C0-4E97-9029-D6ABAF1D00A6}" type="datetimeFigureOut">
               <a:rPr lang="de-CH" smtClean="0"/>
-              <a:t>27.05.19</a:t>
+              <a:t>02.06.2019</a:t>
             </a:fld>
             <a:endParaRPr lang="de-CH"/>
           </a:p>
@@ -2425,7 +2425,7 @@
           <p:cNvPr id="6" name="Footer Placeholder 5">
             <a:extLst>
               <a:ext uri="{FF2B5EF4-FFF2-40B4-BE49-F238E27FC236}">
-                <a16:creationId xmlns:a16="http://schemas.microsoft.com/office/drawing/2014/main" xmlns="" id="{53BA4ADE-B40C-4CD6-9B32-3FC5EDEA88F0}"/>
+                <a16:creationId xmlns:a16="http://schemas.microsoft.com/office/drawing/2014/main" id="{53BA4ADE-B40C-4CD6-9B32-3FC5EDEA88F0}"/>
               </a:ext>
             </a:extLst>
           </p:cNvPr>
@@ -2450,7 +2450,7 @@
           <p:cNvPr id="7" name="Slide Number Placeholder 6">
             <a:extLst>
               <a:ext uri="{FF2B5EF4-FFF2-40B4-BE49-F238E27FC236}">
-                <a16:creationId xmlns:a16="http://schemas.microsoft.com/office/drawing/2014/main" xmlns="" id="{4118C7E1-2F7E-429A-B4DF-EBAB0C6FB2CC}"/>
+                <a16:creationId xmlns:a16="http://schemas.microsoft.com/office/drawing/2014/main" id="{4118C7E1-2F7E-429A-B4DF-EBAB0C6FB2CC}"/>
               </a:ext>
             </a:extLst>
           </p:cNvPr>
@@ -2468,7 +2468,7 @@
           <a:p>
             <a:fld id="{EA6DE812-8A96-4512-B2B2-8520F85F318D}" type="slidenum">
               <a:rPr lang="de-CH" smtClean="0"/>
-              <a:t>‹Nr.›</a:t>
+              <a:t>‹#›</a:t>
             </a:fld>
             <a:endParaRPr lang="de-CH"/>
           </a:p>
@@ -2509,7 +2509,7 @@
           <p:cNvPr id="2" name="Title 1">
             <a:extLst>
               <a:ext uri="{FF2B5EF4-FFF2-40B4-BE49-F238E27FC236}">
-                <a16:creationId xmlns:a16="http://schemas.microsoft.com/office/drawing/2014/main" xmlns="" id="{B5B9C303-E4CD-4BBF-B2D6-B739504EAEB2}"/>
+                <a16:creationId xmlns:a16="http://schemas.microsoft.com/office/drawing/2014/main" id="{B5B9C303-E4CD-4BBF-B2D6-B739504EAEB2}"/>
               </a:ext>
             </a:extLst>
           </p:cNvPr>
@@ -2547,7 +2547,7 @@
           <p:cNvPr id="3" name="Picture Placeholder 2">
             <a:extLst>
               <a:ext uri="{FF2B5EF4-FFF2-40B4-BE49-F238E27FC236}">
-                <a16:creationId xmlns:a16="http://schemas.microsoft.com/office/drawing/2014/main" xmlns="" id="{71776847-1D6F-43CB-87E6-123E43DE207F}"/>
+                <a16:creationId xmlns:a16="http://schemas.microsoft.com/office/drawing/2014/main" id="{71776847-1D6F-43CB-87E6-123E43DE207F}"/>
               </a:ext>
             </a:extLst>
           </p:cNvPr>
@@ -2614,7 +2614,7 @@
           <p:cNvPr id="4" name="Text Placeholder 3">
             <a:extLst>
               <a:ext uri="{FF2B5EF4-FFF2-40B4-BE49-F238E27FC236}">
-                <a16:creationId xmlns:a16="http://schemas.microsoft.com/office/drawing/2014/main" xmlns="" id="{6C01C400-D18B-40AA-9CF1-A822C3F9329F}"/>
+                <a16:creationId xmlns:a16="http://schemas.microsoft.com/office/drawing/2014/main" id="{6C01C400-D18B-40AA-9CF1-A822C3F9329F}"/>
               </a:ext>
             </a:extLst>
           </p:cNvPr>
@@ -2685,7 +2685,7 @@
           <p:cNvPr id="5" name="Date Placeholder 4">
             <a:extLst>
               <a:ext uri="{FF2B5EF4-FFF2-40B4-BE49-F238E27FC236}">
-                <a16:creationId xmlns:a16="http://schemas.microsoft.com/office/drawing/2014/main" xmlns="" id="{E376BF91-DDF6-477A-B1E9-E04A3BF9076D}"/>
+                <a16:creationId xmlns:a16="http://schemas.microsoft.com/office/drawing/2014/main" id="{E376BF91-DDF6-477A-B1E9-E04A3BF9076D}"/>
               </a:ext>
             </a:extLst>
           </p:cNvPr>
@@ -2703,7 +2703,7 @@
           <a:p>
             <a:fld id="{3C82E5D1-C0C0-4E97-9029-D6ABAF1D00A6}" type="datetimeFigureOut">
               <a:rPr lang="de-CH" smtClean="0"/>
-              <a:t>27.05.19</a:t>
+              <a:t>02.06.2019</a:t>
             </a:fld>
             <a:endParaRPr lang="de-CH"/>
           </a:p>
@@ -2714,7 +2714,7 @@
           <p:cNvPr id="6" name="Footer Placeholder 5">
             <a:extLst>
               <a:ext uri="{FF2B5EF4-FFF2-40B4-BE49-F238E27FC236}">
-                <a16:creationId xmlns:a16="http://schemas.microsoft.com/office/drawing/2014/main" xmlns="" id="{2AAB9CED-C0DE-4595-8777-E2710368D8F8}"/>
+                <a16:creationId xmlns:a16="http://schemas.microsoft.com/office/drawing/2014/main" id="{2AAB9CED-C0DE-4595-8777-E2710368D8F8}"/>
               </a:ext>
             </a:extLst>
           </p:cNvPr>
@@ -2739,7 +2739,7 @@
           <p:cNvPr id="7" name="Slide Number Placeholder 6">
             <a:extLst>
               <a:ext uri="{FF2B5EF4-FFF2-40B4-BE49-F238E27FC236}">
-                <a16:creationId xmlns:a16="http://schemas.microsoft.com/office/drawing/2014/main" xmlns="" id="{717E6D53-DF4B-4C85-95F5-6C565D8956EC}"/>
+                <a16:creationId xmlns:a16="http://schemas.microsoft.com/office/drawing/2014/main" id="{717E6D53-DF4B-4C85-95F5-6C565D8956EC}"/>
               </a:ext>
             </a:extLst>
           </p:cNvPr>
@@ -2757,7 +2757,7 @@
           <a:p>
             <a:fld id="{EA6DE812-8A96-4512-B2B2-8520F85F318D}" type="slidenum">
               <a:rPr lang="de-CH" smtClean="0"/>
-              <a:t>‹Nr.›</a:t>
+              <a:t>‹#›</a:t>
             </a:fld>
             <a:endParaRPr lang="de-CH"/>
           </a:p>
@@ -2803,7 +2803,7 @@
           <p:cNvPr id="2" name="Title Placeholder 1">
             <a:extLst>
               <a:ext uri="{FF2B5EF4-FFF2-40B4-BE49-F238E27FC236}">
-                <a16:creationId xmlns:a16="http://schemas.microsoft.com/office/drawing/2014/main" xmlns="" id="{FAC58CB2-7A78-4574-B451-706DBB6EF6AB}"/>
+                <a16:creationId xmlns:a16="http://schemas.microsoft.com/office/drawing/2014/main" id="{FAC58CB2-7A78-4574-B451-706DBB6EF6AB}"/>
               </a:ext>
             </a:extLst>
           </p:cNvPr>
@@ -2842,7 +2842,7 @@
           <p:cNvPr id="3" name="Text Placeholder 2">
             <a:extLst>
               <a:ext uri="{FF2B5EF4-FFF2-40B4-BE49-F238E27FC236}">
-                <a16:creationId xmlns:a16="http://schemas.microsoft.com/office/drawing/2014/main" xmlns="" id="{DD2C5958-98D1-4620-BFAC-03E9DA544C77}"/>
+                <a16:creationId xmlns:a16="http://schemas.microsoft.com/office/drawing/2014/main" id="{DD2C5958-98D1-4620-BFAC-03E9DA544C77}"/>
               </a:ext>
             </a:extLst>
           </p:cNvPr>
@@ -2910,7 +2910,7 @@
           <p:cNvPr id="4" name="Date Placeholder 3">
             <a:extLst>
               <a:ext uri="{FF2B5EF4-FFF2-40B4-BE49-F238E27FC236}">
-                <a16:creationId xmlns:a16="http://schemas.microsoft.com/office/drawing/2014/main" xmlns="" id="{2D856D13-A07C-45CB-B2BF-9471030793EE}"/>
+                <a16:creationId xmlns:a16="http://schemas.microsoft.com/office/drawing/2014/main" id="{2D856D13-A07C-45CB-B2BF-9471030793EE}"/>
               </a:ext>
             </a:extLst>
           </p:cNvPr>
@@ -2946,7 +2946,7 @@
           <a:p>
             <a:fld id="{3C82E5D1-C0C0-4E97-9029-D6ABAF1D00A6}" type="datetimeFigureOut">
               <a:rPr lang="de-CH" smtClean="0"/>
-              <a:t>27.05.19</a:t>
+              <a:t>02.06.2019</a:t>
             </a:fld>
             <a:endParaRPr lang="de-CH"/>
           </a:p>
@@ -2957,7 +2957,7 @@
           <p:cNvPr id="5" name="Footer Placeholder 4">
             <a:extLst>
               <a:ext uri="{FF2B5EF4-FFF2-40B4-BE49-F238E27FC236}">
-                <a16:creationId xmlns:a16="http://schemas.microsoft.com/office/drawing/2014/main" xmlns="" id="{2D2679C8-B618-495E-83CE-06691FCF874C}"/>
+                <a16:creationId xmlns:a16="http://schemas.microsoft.com/office/drawing/2014/main" id="{2D2679C8-B618-495E-83CE-06691FCF874C}"/>
               </a:ext>
             </a:extLst>
           </p:cNvPr>
@@ -3000,7 +3000,7 @@
           <p:cNvPr id="6" name="Slide Number Placeholder 5">
             <a:extLst>
               <a:ext uri="{FF2B5EF4-FFF2-40B4-BE49-F238E27FC236}">
-                <a16:creationId xmlns:a16="http://schemas.microsoft.com/office/drawing/2014/main" xmlns="" id="{840E1B95-6442-49B7-9B27-7B640FBB581D}"/>
+                <a16:creationId xmlns:a16="http://schemas.microsoft.com/office/drawing/2014/main" id="{840E1B95-6442-49B7-9B27-7B640FBB581D}"/>
               </a:ext>
             </a:extLst>
           </p:cNvPr>
@@ -3036,7 +3036,7 @@
           <a:p>
             <a:fld id="{EA6DE812-8A96-4512-B2B2-8520F85F318D}" type="slidenum">
               <a:rPr lang="de-CH" smtClean="0"/>
-              <a:t>‹Nr.›</a:t>
+              <a:t>‹#›</a:t>
             </a:fld>
             <a:endParaRPr lang="de-CH"/>
           </a:p>
@@ -3368,7 +3368,7 @@
           <p:cNvPr id="2" name="Title 1">
             <a:extLst>
               <a:ext uri="{FF2B5EF4-FFF2-40B4-BE49-F238E27FC236}">
-                <a16:creationId xmlns:a16="http://schemas.microsoft.com/office/drawing/2014/main" xmlns="" id="{C7DDABEF-2803-44E2-97E7-F13B454DB6EB}"/>
+                <a16:creationId xmlns:a16="http://schemas.microsoft.com/office/drawing/2014/main" id="{C7DDABEF-2803-44E2-97E7-F13B454DB6EB}"/>
               </a:ext>
             </a:extLst>
           </p:cNvPr>
@@ -3385,55 +3385,51 @@
           <a:lstStyle/>
           <a:p>
             <a:r>
-              <a:rPr lang="de-CH" dirty="0" smtClean="0"/>
+              <a:rPr lang="de-CH" dirty="0"/>
               <a:t>The </a:t>
             </a:r>
             <a:r>
-              <a:rPr lang="de-CH" dirty="0" err="1" smtClean="0"/>
+              <a:rPr lang="de-CH" dirty="0" err="1"/>
               <a:t>Build</a:t>
             </a:r>
             <a:r>
-              <a:rPr lang="de-CH" dirty="0" smtClean="0"/>
+              <a:rPr lang="de-CH" dirty="0"/>
+              <a:t> Monitor</a:t>
+            </a:r>
+          </a:p>
+        </p:txBody>
+      </p:sp>
+      <p:sp>
+        <p:nvSpPr>
+          <p:cNvPr id="3" name="Subtitle 2">
+            <a:extLst>
+              <a:ext uri="{FF2B5EF4-FFF2-40B4-BE49-F238E27FC236}">
+                <a16:creationId xmlns:a16="http://schemas.microsoft.com/office/drawing/2014/main" id="{C3C38E75-A64B-42FE-9E8A-D47AC7E6FB5F}"/>
+              </a:ext>
+            </a:extLst>
+          </p:cNvPr>
+          <p:cNvSpPr>
+            <a:spLocks noGrp="1"/>
+          </p:cNvSpPr>
+          <p:nvPr>
+            <p:ph type="subTitle" idx="1"/>
+          </p:nvPr>
+        </p:nvSpPr>
+        <p:spPr/>
+        <p:txBody>
+          <a:bodyPr/>
+          <a:lstStyle/>
+          <a:p>
+            <a:r>
+              <a:rPr lang="de-CH" dirty="0" err="1"/>
+              <a:t>IoT</a:t>
+            </a:r>
+            <a:r>
+              <a:rPr lang="de-CH" dirty="0"/>
               <a:t> </a:t>
             </a:r>
             <a:r>
-              <a:rPr lang="de-CH" dirty="0"/>
-              <a:t>Monitor</a:t>
-            </a:r>
-          </a:p>
-        </p:txBody>
-      </p:sp>
-      <p:sp>
-        <p:nvSpPr>
-          <p:cNvPr id="3" name="Subtitle 2">
-            <a:extLst>
-              <a:ext uri="{FF2B5EF4-FFF2-40B4-BE49-F238E27FC236}">
-                <a16:creationId xmlns:a16="http://schemas.microsoft.com/office/drawing/2014/main" xmlns="" id="{C3C38E75-A64B-42FE-9E8A-D47AC7E6FB5F}"/>
-              </a:ext>
-            </a:extLst>
-          </p:cNvPr>
-          <p:cNvSpPr>
-            <a:spLocks noGrp="1"/>
-          </p:cNvSpPr>
-          <p:nvPr>
-            <p:ph type="subTitle" idx="1"/>
-          </p:nvPr>
-        </p:nvSpPr>
-        <p:spPr/>
-        <p:txBody>
-          <a:bodyPr/>
-          <a:lstStyle/>
-          <a:p>
-            <a:r>
-              <a:rPr lang="de-CH" dirty="0" err="1" smtClean="0"/>
-              <a:t>IoT</a:t>
-            </a:r>
-            <a:r>
-              <a:rPr lang="de-CH" dirty="0" smtClean="0"/>
-              <a:t> </a:t>
-            </a:r>
-            <a:r>
-              <a:rPr lang="de-CH" dirty="0" err="1" smtClean="0"/>
+              <a:rPr lang="de-CH" dirty="0" err="1"/>
               <a:t>project</a:t>
             </a:r>
             <a:endParaRPr lang="de-CH" dirty="0"/>
@@ -3475,7 +3471,7 @@
           <p:cNvPr id="2" name="Title 1">
             <a:extLst>
               <a:ext uri="{FF2B5EF4-FFF2-40B4-BE49-F238E27FC236}">
-                <a16:creationId xmlns:a16="http://schemas.microsoft.com/office/drawing/2014/main" xmlns="" id="{F89A4C5F-DA28-4624-ADA5-24DE3D0F239B}"/>
+                <a16:creationId xmlns:a16="http://schemas.microsoft.com/office/drawing/2014/main" id="{F89A4C5F-DA28-4624-ADA5-24DE3D0F239B}"/>
               </a:ext>
             </a:extLst>
           </p:cNvPr>
@@ -3562,7 +3558,7 @@
           <p:cNvPr id="2" name="Title 1">
             <a:extLst>
               <a:ext uri="{FF2B5EF4-FFF2-40B4-BE49-F238E27FC236}">
-                <a16:creationId xmlns:a16="http://schemas.microsoft.com/office/drawing/2014/main" xmlns="" id="{420974B1-6D0E-4293-B52C-EE16DF643629}"/>
+                <a16:creationId xmlns:a16="http://schemas.microsoft.com/office/drawing/2014/main" id="{420974B1-6D0E-4293-B52C-EE16DF643629}"/>
               </a:ext>
             </a:extLst>
           </p:cNvPr>
@@ -3590,7 +3586,7 @@
           <p:cNvPr id="3" name="Content Placeholder 2">
             <a:extLst>
               <a:ext uri="{FF2B5EF4-FFF2-40B4-BE49-F238E27FC236}">
-                <a16:creationId xmlns:a16="http://schemas.microsoft.com/office/drawing/2014/main" xmlns="" id="{77D941A9-1A19-4DBE-8969-C99CB0969DD4}"/>
+                <a16:creationId xmlns:a16="http://schemas.microsoft.com/office/drawing/2014/main" id="{77D941A9-1A19-4DBE-8969-C99CB0969DD4}"/>
               </a:ext>
             </a:extLst>
           </p:cNvPr>
@@ -3623,21 +3619,16 @@
               <a:t> </a:t>
             </a:r>
             <a:r>
-              <a:rPr lang="de-CH" dirty="0" err="1" smtClean="0"/>
+              <a:rPr lang="de-CH" dirty="0" err="1"/>
               <a:t>Notification</a:t>
             </a:r>
-            <a:endParaRPr lang="de-CH" dirty="0" smtClean="0"/>
+            <a:endParaRPr lang="de-CH" dirty="0"/>
           </a:p>
           <a:p>
             <a:r>
               <a:rPr lang="de-CH" dirty="0"/>
-              <a:t>Commit </a:t>
-            </a:r>
-            <a:r>
-              <a:rPr lang="de-CH" dirty="0" smtClean="0"/>
-              <a:t>Fixing</a:t>
-            </a:r>
-            <a:endParaRPr lang="de-CH" dirty="0"/>
+              <a:t>Commit Fixing</a:t>
+            </a:r>
           </a:p>
           <a:p>
             <a:r>
@@ -3657,16 +3648,16 @@
               <a:t> </a:t>
             </a:r>
             <a:r>
-              <a:rPr lang="de-CH" dirty="0" err="1" smtClean="0"/>
+              <a:rPr lang="de-CH" dirty="0" err="1"/>
               <a:t>Notification</a:t>
             </a:r>
-            <a:endParaRPr lang="de-CH" dirty="0" smtClean="0"/>
-          </a:p>
-          <a:p>
             <a:endParaRPr lang="de-CH" dirty="0"/>
           </a:p>
           <a:p>
-            <a:endParaRPr lang="de-CH" dirty="0" smtClean="0"/>
+            <a:endParaRPr lang="de-CH" dirty="0"/>
+          </a:p>
+          <a:p>
+            <a:endParaRPr lang="de-CH" dirty="0"/>
           </a:p>
           <a:p>
             <a:r>
@@ -3682,35 +3673,28 @@
               <a:rPr lang="de-CH" dirty="0">
                 <a:hlinkClick r:id="rId3"/>
               </a:rPr>
-              <a:t>MQTT </a:t>
-            </a:r>
-            <a:r>
-              <a:rPr lang="de-CH" dirty="0" smtClean="0">
-                <a:hlinkClick r:id="rId3"/>
-              </a:rPr>
-              <a:t>Client</a:t>
-            </a:r>
-            <a:r>
-              <a:rPr lang="de-CH" dirty="0" smtClean="0"/>
+              <a:t>MQTT Client</a:t>
+            </a:r>
+            <a:r>
+              <a:rPr lang="de-CH" dirty="0"/>
               <a:t> (</a:t>
             </a:r>
             <a:r>
-              <a:rPr lang="de-CH" dirty="0" err="1" smtClean="0"/>
+              <a:rPr lang="de-CH" dirty="0" err="1"/>
               <a:t>Raspberry</a:t>
             </a:r>
             <a:r>
-              <a:rPr lang="de-CH" dirty="0" smtClean="0"/>
+              <a:rPr lang="de-CH" dirty="0"/>
               <a:t>-Jenkins-</a:t>
             </a:r>
             <a:r>
-              <a:rPr lang="de-CH" dirty="0" err="1" smtClean="0"/>
+              <a:rPr lang="de-CH" dirty="0" err="1"/>
               <a:t>CloudFunction</a:t>
             </a:r>
             <a:r>
-              <a:rPr lang="de-CH" dirty="0" smtClean="0"/>
+              <a:rPr lang="de-CH" dirty="0"/>
               <a:t>)</a:t>
             </a:r>
-            <a:endParaRPr lang="de-CH" dirty="0"/>
           </a:p>
           <a:p>
             <a:endParaRPr lang="de-CH" dirty="0"/>
@@ -3752,7 +3736,7 @@
           <p:cNvPr id="2" name="Title 1">
             <a:extLst>
               <a:ext uri="{FF2B5EF4-FFF2-40B4-BE49-F238E27FC236}">
-                <a16:creationId xmlns:a16="http://schemas.microsoft.com/office/drawing/2014/main" xmlns="" id="{989A4FBE-28CC-429E-8794-2E8F572A248E}"/>
+                <a16:creationId xmlns:a16="http://schemas.microsoft.com/office/drawing/2014/main" id="{989A4FBE-28CC-429E-8794-2E8F572A248E}"/>
               </a:ext>
             </a:extLst>
           </p:cNvPr>
@@ -3785,7 +3769,7 @@
           <p:cNvPr id="5" name="Content Placeholder 4" descr="A close up of a map&#10;&#10;Description automatically generated">
             <a:extLst>
               <a:ext uri="{FF2B5EF4-FFF2-40B4-BE49-F238E27FC236}">
-                <a16:creationId xmlns:a16="http://schemas.microsoft.com/office/drawing/2014/main" xmlns="" id="{F5FCF0A7-514C-4F43-9D06-1283B504894E}"/>
+                <a16:creationId xmlns:a16="http://schemas.microsoft.com/office/drawing/2014/main" id="{F5FCF0A7-514C-4F43-9D06-1283B504894E}"/>
               </a:ext>
             </a:extLst>
           </p:cNvPr>
@@ -3850,7 +3834,7 @@
           <p:cNvPr id="2" name="Title 1">
             <a:extLst>
               <a:ext uri="{FF2B5EF4-FFF2-40B4-BE49-F238E27FC236}">
-                <a16:creationId xmlns:a16="http://schemas.microsoft.com/office/drawing/2014/main" xmlns="" id="{CFEDE876-4CD9-47BA-80AB-78C0173CE71F}"/>
+                <a16:creationId xmlns:a16="http://schemas.microsoft.com/office/drawing/2014/main" id="{CFEDE876-4CD9-47BA-80AB-78C0173CE71F}"/>
               </a:ext>
             </a:extLst>
           </p:cNvPr>
@@ -3878,100 +3862,1052 @@
           </a:p>
         </p:txBody>
       </p:sp>
-      <p:sp>
-        <p:nvSpPr>
-          <p:cNvPr id="3" name="Content Placeholder 2">
-            <a:extLst>
-              <a:ext uri="{FF2B5EF4-FFF2-40B4-BE49-F238E27FC236}">
-                <a16:creationId xmlns:a16="http://schemas.microsoft.com/office/drawing/2014/main" xmlns="" id="{E98B73FB-3B7E-420C-BE45-6D31621D0C2D}"/>
-              </a:ext>
-            </a:extLst>
-          </p:cNvPr>
-          <p:cNvSpPr>
-            <a:spLocks noGrp="1"/>
-          </p:cNvSpPr>
-          <p:nvPr>
-            <p:ph idx="1"/>
-          </p:nvPr>
-        </p:nvSpPr>
-        <p:spPr/>
-        <p:txBody>
-          <a:bodyPr/>
-          <a:lstStyle/>
-          <a:p>
-            <a:r>
-              <a:rPr lang="de-CH" dirty="0" err="1"/>
-              <a:t>Todo</a:t>
-            </a:r>
-            <a:r>
-              <a:rPr lang="de-CH" dirty="0"/>
-              <a:t>: </a:t>
-            </a:r>
-            <a:r>
-              <a:rPr lang="de-CH" dirty="0" err="1"/>
-              <a:t>document</a:t>
-            </a:r>
-            <a:r>
-              <a:rPr lang="de-CH" dirty="0"/>
-              <a:t> </a:t>
-            </a:r>
-            <a:r>
-              <a:rPr lang="de-CH" dirty="0" err="1"/>
-              <a:t>interfaces</a:t>
-            </a:r>
-            <a:r>
-              <a:rPr lang="de-CH" dirty="0"/>
-              <a:t> </a:t>
-            </a:r>
-            <a:r>
-              <a:rPr lang="de-CH" dirty="0" err="1"/>
-              <a:t>according</a:t>
-            </a:r>
-            <a:r>
-              <a:rPr lang="de-CH" dirty="0"/>
-              <a:t> </a:t>
-            </a:r>
-            <a:r>
-              <a:rPr lang="de-CH" dirty="0" err="1"/>
-              <a:t>to</a:t>
-            </a:r>
-            <a:r>
-              <a:rPr lang="de-CH" dirty="0"/>
-              <a:t> </a:t>
-            </a:r>
-            <a:r>
-              <a:rPr lang="de-CH" dirty="0">
-                <a:hlinkClick r:id="rId2"/>
-              </a:rPr>
-              <a:t>https://github.com/fhnw-iot-4ia/iot-project-build-monitor/tree/master/Arduino</a:t>
-            </a:r>
-            <a:r>
-              <a:rPr lang="de-CH" dirty="0"/>
-              <a:t> &amp; </a:t>
-            </a:r>
-            <a:r>
-              <a:rPr lang="de-CH" dirty="0">
-                <a:hlinkClick r:id="rId3"/>
-              </a:rPr>
-              <a:t>https://github.com/fhnw-iot-4ia/iot-project-build-monitor/tree/master/Nodejs</a:t>
-            </a:r>
-            <a:r>
-              <a:rPr lang="de-CH" dirty="0"/>
-              <a:t> &amp; </a:t>
-            </a:r>
-            <a:r>
-              <a:rPr lang="de-CH" dirty="0">
-                <a:hlinkClick r:id="rId4"/>
-              </a:rPr>
-              <a:t>https://github.com/fhnw-iot-4ia/iot-project-build-monitor/tree/master/GCP</a:t>
-            </a:r>
-            <a:r>
-              <a:rPr lang="de-CH" dirty="0"/>
-              <a:t> </a:t>
-            </a:r>
-          </a:p>
-        </p:txBody>
-      </p:sp>
+      <p:graphicFrame>
+        <p:nvGraphicFramePr>
+          <p:cNvPr id="5" name="Table 4">
+            <a:extLst>
+              <a:ext uri="{FF2B5EF4-FFF2-40B4-BE49-F238E27FC236}">
+                <a16:creationId xmlns:a16="http://schemas.microsoft.com/office/drawing/2014/main" id="{8A2443DB-E48E-41C5-8036-8367B996FEE4}"/>
+              </a:ext>
+            </a:extLst>
+          </p:cNvPr>
+          <p:cNvGraphicFramePr>
+            <a:graphicFrameLocks noGrp="1"/>
+          </p:cNvGraphicFramePr>
+          <p:nvPr>
+            <p:extLst>
+              <p:ext uri="{D42A27DB-BD31-4B8C-83A1-F6EECF244321}">
+                <p14:modId xmlns:p14="http://schemas.microsoft.com/office/powerpoint/2010/main" val="2757305882"/>
+              </p:ext>
+            </p:extLst>
+          </p:nvPr>
+        </p:nvGraphicFramePr>
+        <p:xfrm>
+          <a:off x="838200" y="1690688"/>
+          <a:ext cx="5008743" cy="1925320"/>
+        </p:xfrm>
+        <a:graphic>
+          <a:graphicData uri="http://schemas.openxmlformats.org/drawingml/2006/table">
+            <a:tbl>
+              <a:tblPr firstRow="1" bandRow="1">
+                <a:tableStyleId>{5C22544A-7EE6-4342-B048-85BDC9FD1C3A}</a:tableStyleId>
+              </a:tblPr>
+              <a:tblGrid>
+                <a:gridCol w="990600">
+                  <a:extLst>
+                    <a:ext uri="{9D8B030D-6E8A-4147-A177-3AD203B41FA5}">
+                      <a16:colId xmlns:a16="http://schemas.microsoft.com/office/drawing/2014/main" val="2529177794"/>
+                    </a:ext>
+                  </a:extLst>
+                </a:gridCol>
+                <a:gridCol w="1069258">
+                  <a:extLst>
+                    <a:ext uri="{9D8B030D-6E8A-4147-A177-3AD203B41FA5}">
+                      <a16:colId xmlns:a16="http://schemas.microsoft.com/office/drawing/2014/main" val="1248466233"/>
+                    </a:ext>
+                  </a:extLst>
+                </a:gridCol>
+                <a:gridCol w="2948885">
+                  <a:extLst>
+                    <a:ext uri="{9D8B030D-6E8A-4147-A177-3AD203B41FA5}">
+                      <a16:colId xmlns:a16="http://schemas.microsoft.com/office/drawing/2014/main" val="3120331911"/>
+                    </a:ext>
+                  </a:extLst>
+                </a:gridCol>
+              </a:tblGrid>
+              <a:tr h="370840">
+                <a:tc gridSpan="3">
+                  <a:txBody>
+                    <a:bodyPr/>
+                    <a:lstStyle/>
+                    <a:p>
+                      <a:r>
+                        <a:rPr lang="de-CH" dirty="0"/>
+                        <a:t>BLE Service </a:t>
+                      </a:r>
+                      <a:r>
+                        <a:rPr lang="de-CH" dirty="0">
+                          <a:latin typeface="Consolas" panose="020B0609020204030204" pitchFamily="49" charset="0"/>
+                        </a:rPr>
+                        <a:t>#4242</a:t>
+                      </a:r>
+                    </a:p>
+                  </a:txBody>
+                  <a:tcPr/>
+                </a:tc>
+                <a:tc hMerge="1">
+                  <a:txBody>
+                    <a:bodyPr/>
+                    <a:lstStyle/>
+                    <a:p>
+                      <a:endParaRPr lang="de-CH" dirty="0"/>
+                    </a:p>
+                  </a:txBody>
+                  <a:tcPr/>
+                </a:tc>
+                <a:tc hMerge="1">
+                  <a:txBody>
+                    <a:bodyPr/>
+                    <a:lstStyle/>
+                    <a:p>
+                      <a:endParaRPr lang="de-CH" dirty="0"/>
+                    </a:p>
+                  </a:txBody>
+                  <a:tcPr/>
+                </a:tc>
+                <a:extLst>
+                  <a:ext uri="{0D108BD9-81ED-4DB2-BD59-A6C34878D82A}">
+                    <a16:rowId xmlns:a16="http://schemas.microsoft.com/office/drawing/2014/main" val="3132835098"/>
+                  </a:ext>
+                </a:extLst>
+              </a:tr>
+              <a:tr h="370840">
+                <a:tc>
+                  <a:txBody>
+                    <a:bodyPr/>
+                    <a:lstStyle/>
+                    <a:p>
+                      <a:pPr marL="0" marR="0" lvl="0" indent="0" algn="l" defTabSz="914400" rtl="0" eaLnBrk="1" fontAlgn="auto" latinLnBrk="0" hangingPunct="1">
+                        <a:lnSpc>
+                          <a:spcPct val="100000"/>
+                        </a:lnSpc>
+                        <a:spcBef>
+                          <a:spcPts val="0"/>
+                        </a:spcBef>
+                        <a:spcAft>
+                          <a:spcPts val="0"/>
+                        </a:spcAft>
+                        <a:buClrTx/>
+                        <a:buSzTx/>
+                        <a:buFontTx/>
+                        <a:buNone/>
+                        <a:tabLst/>
+                        <a:defRPr/>
+                      </a:pPr>
+                      <a:r>
+                        <a:rPr lang="de-CH" dirty="0">
+                          <a:latin typeface="Consolas" panose="020B0609020204030204" pitchFamily="49" charset="0"/>
+                        </a:rPr>
+                        <a:t>#2727</a:t>
+                      </a:r>
+                    </a:p>
+                  </a:txBody>
+                  <a:tcPr/>
+                </a:tc>
+                <a:tc>
+                  <a:txBody>
+                    <a:bodyPr/>
+                    <a:lstStyle/>
+                    <a:p>
+                      <a:pPr marL="0" marR="0" lvl="0" indent="0" algn="l" defTabSz="914400" rtl="0" eaLnBrk="1" fontAlgn="auto" latinLnBrk="0" hangingPunct="1">
+                        <a:lnSpc>
+                          <a:spcPct val="100000"/>
+                        </a:lnSpc>
+                        <a:spcBef>
+                          <a:spcPts val="0"/>
+                        </a:spcBef>
+                        <a:spcAft>
+                          <a:spcPts val="0"/>
+                        </a:spcAft>
+                        <a:buClrTx/>
+                        <a:buSzTx/>
+                        <a:buFontTx/>
+                        <a:buNone/>
+                        <a:tabLst/>
+                        <a:defRPr/>
+                      </a:pPr>
+                      <a:r>
+                        <a:rPr lang="de-CH" sz="1800" kern="1200" dirty="0">
+                          <a:solidFill>
+                            <a:schemeClr val="dk1"/>
+                          </a:solidFill>
+                          <a:latin typeface="Consolas" panose="020B0609020204030204" pitchFamily="49" charset="0"/>
+                          <a:ea typeface="+mn-ea"/>
+                          <a:cs typeface="+mn-cs"/>
+                        </a:rPr>
+                        <a:t>WRITE</a:t>
+                      </a:r>
+                    </a:p>
+                  </a:txBody>
+                  <a:tcPr/>
+                </a:tc>
+                <a:tc>
+                  <a:txBody>
+                    <a:bodyPr/>
+                    <a:lstStyle/>
+                    <a:p>
+                      <a:r>
+                        <a:rPr lang="de-CH" sz="1800" kern="1200" dirty="0">
+                          <a:solidFill>
+                            <a:schemeClr val="dk1"/>
+                          </a:solidFill>
+                          <a:latin typeface="Consolas" panose="020B0609020204030204" pitchFamily="49" charset="0"/>
+                          <a:ea typeface="+mn-ea"/>
+                          <a:cs typeface="+mn-cs"/>
+                        </a:rPr>
+                        <a:t>00</a:t>
+                      </a:r>
+                      <a:r>
+                        <a:rPr lang="de-CH" dirty="0"/>
+                        <a:t>: </a:t>
+                      </a:r>
+                      <a:r>
+                        <a:rPr lang="de-CH" dirty="0" err="1"/>
+                        <a:t>build</a:t>
+                      </a:r>
+                      <a:r>
+                        <a:rPr lang="de-CH" dirty="0"/>
+                        <a:t> </a:t>
+                      </a:r>
+                      <a:r>
+                        <a:rPr lang="de-CH" dirty="0" err="1"/>
+                        <a:t>success</a:t>
+                      </a:r>
+                      <a:endParaRPr lang="de-CH" dirty="0"/>
+                    </a:p>
+                    <a:p>
+                      <a:r>
+                        <a:rPr lang="de-CH" sz="1800" kern="1200" dirty="0">
+                          <a:solidFill>
+                            <a:schemeClr val="dk1"/>
+                          </a:solidFill>
+                          <a:latin typeface="Consolas" panose="020B0609020204030204" pitchFamily="49" charset="0"/>
+                          <a:ea typeface="+mn-ea"/>
+                          <a:cs typeface="+mn-cs"/>
+                        </a:rPr>
+                        <a:t>01</a:t>
+                      </a:r>
+                      <a:r>
+                        <a:rPr lang="de-CH" dirty="0"/>
+                        <a:t>: </a:t>
+                      </a:r>
+                      <a:r>
+                        <a:rPr lang="de-CH" dirty="0" err="1"/>
+                        <a:t>build</a:t>
+                      </a:r>
+                      <a:r>
+                        <a:rPr lang="de-CH" dirty="0"/>
+                        <a:t> </a:t>
+                      </a:r>
+                      <a:r>
+                        <a:rPr lang="de-CH" dirty="0" err="1"/>
+                        <a:t>failure</a:t>
+                      </a:r>
+                      <a:endParaRPr lang="de-CH" dirty="0"/>
+                    </a:p>
+                    <a:p>
+                      <a:r>
+                        <a:rPr lang="de-CH" sz="1800" kern="1200" dirty="0">
+                          <a:solidFill>
+                            <a:schemeClr val="dk1"/>
+                          </a:solidFill>
+                          <a:latin typeface="Consolas" panose="020B0609020204030204" pitchFamily="49" charset="0"/>
+                          <a:ea typeface="+mn-ea"/>
+                          <a:cs typeface="+mn-cs"/>
+                        </a:rPr>
+                        <a:t>02</a:t>
+                      </a:r>
+                      <a:r>
+                        <a:rPr lang="de-CH" dirty="0"/>
+                        <a:t>: fix in </a:t>
+                      </a:r>
+                      <a:r>
+                        <a:rPr lang="de-CH" dirty="0" err="1"/>
+                        <a:t>progress</a:t>
+                      </a:r>
+                      <a:endParaRPr lang="de-CH" dirty="0"/>
+                    </a:p>
+                  </a:txBody>
+                  <a:tcPr/>
+                </a:tc>
+                <a:extLst>
+                  <a:ext uri="{0D108BD9-81ED-4DB2-BD59-A6C34878D82A}">
+                    <a16:rowId xmlns:a16="http://schemas.microsoft.com/office/drawing/2014/main" val="2286387320"/>
+                  </a:ext>
+                </a:extLst>
+              </a:tr>
+              <a:tr h="370840">
+                <a:tc>
+                  <a:txBody>
+                    <a:bodyPr/>
+                    <a:lstStyle/>
+                    <a:p>
+                      <a:pPr marL="0" marR="0" lvl="0" indent="0" algn="l" defTabSz="914400" rtl="0" eaLnBrk="1" fontAlgn="auto" latinLnBrk="0" hangingPunct="1">
+                        <a:lnSpc>
+                          <a:spcPct val="100000"/>
+                        </a:lnSpc>
+                        <a:spcBef>
+                          <a:spcPts val="0"/>
+                        </a:spcBef>
+                        <a:spcAft>
+                          <a:spcPts val="0"/>
+                        </a:spcAft>
+                        <a:buClrTx/>
+                        <a:buSzTx/>
+                        <a:buFontTx/>
+                        <a:buNone/>
+                        <a:tabLst/>
+                        <a:defRPr/>
+                      </a:pPr>
+                      <a:r>
+                        <a:rPr lang="de-CH" sz="1800" kern="1200" dirty="0">
+                          <a:solidFill>
+                            <a:schemeClr val="dk1"/>
+                          </a:solidFill>
+                          <a:latin typeface="Consolas" panose="020B0609020204030204" pitchFamily="49" charset="0"/>
+                          <a:ea typeface="+mn-ea"/>
+                          <a:cs typeface="+mn-cs"/>
+                        </a:rPr>
+                        <a:t>#2728</a:t>
+                      </a:r>
+                    </a:p>
+                  </a:txBody>
+                  <a:tcPr/>
+                </a:tc>
+                <a:tc>
+                  <a:txBody>
+                    <a:bodyPr/>
+                    <a:lstStyle/>
+                    <a:p>
+                      <a:pPr marL="0" marR="0" lvl="0" indent="0" algn="l" defTabSz="914400" rtl="0" eaLnBrk="1" fontAlgn="auto" latinLnBrk="0" hangingPunct="1">
+                        <a:lnSpc>
+                          <a:spcPct val="100000"/>
+                        </a:lnSpc>
+                        <a:spcBef>
+                          <a:spcPts val="0"/>
+                        </a:spcBef>
+                        <a:spcAft>
+                          <a:spcPts val="0"/>
+                        </a:spcAft>
+                        <a:buClrTx/>
+                        <a:buSzTx/>
+                        <a:buFontTx/>
+                        <a:buNone/>
+                        <a:tabLst/>
+                        <a:defRPr/>
+                      </a:pPr>
+                      <a:r>
+                        <a:rPr lang="de-CH" sz="1800" kern="1200" dirty="0">
+                          <a:solidFill>
+                            <a:schemeClr val="dk1"/>
+                          </a:solidFill>
+                          <a:latin typeface="Consolas" panose="020B0609020204030204" pitchFamily="49" charset="0"/>
+                          <a:ea typeface="+mn-ea"/>
+                          <a:cs typeface="+mn-cs"/>
+                        </a:rPr>
+                        <a:t>NOTIFY</a:t>
+                      </a:r>
+                    </a:p>
+                  </a:txBody>
+                  <a:tcPr/>
+                </a:tc>
+                <a:tc>
+                  <a:txBody>
+                    <a:bodyPr/>
+                    <a:lstStyle/>
+                    <a:p>
+                      <a:r>
+                        <a:rPr lang="de-CH" sz="1800" kern="1200" dirty="0">
+                          <a:solidFill>
+                            <a:schemeClr val="dk1"/>
+                          </a:solidFill>
+                          <a:latin typeface="Consolas" panose="020B0609020204030204" pitchFamily="49" charset="0"/>
+                          <a:ea typeface="+mn-ea"/>
+                          <a:cs typeface="+mn-cs"/>
+                        </a:rPr>
+                        <a:t>00</a:t>
+                      </a:r>
+                      <a:r>
+                        <a:rPr lang="de-CH" dirty="0"/>
+                        <a:t>: </a:t>
+                      </a:r>
+                      <a:r>
+                        <a:rPr lang="de-CH" dirty="0" err="1"/>
+                        <a:t>no</a:t>
+                      </a:r>
+                      <a:r>
+                        <a:rPr lang="de-CH" dirty="0"/>
+                        <a:t> </a:t>
+                      </a:r>
+                      <a:r>
+                        <a:rPr lang="de-CH" dirty="0" err="1"/>
+                        <a:t>user</a:t>
+                      </a:r>
+                      <a:r>
+                        <a:rPr lang="de-CH" dirty="0"/>
+                        <a:t> </a:t>
+                      </a:r>
+                      <a:r>
+                        <a:rPr lang="de-CH" dirty="0" err="1"/>
+                        <a:t>action</a:t>
+                      </a:r>
+                      <a:endParaRPr lang="de-CH" dirty="0"/>
+                    </a:p>
+                    <a:p>
+                      <a:r>
+                        <a:rPr lang="de-CH" sz="1800" kern="1200" dirty="0">
+                          <a:solidFill>
+                            <a:schemeClr val="dk1"/>
+                          </a:solidFill>
+                          <a:latin typeface="Consolas" panose="020B0609020204030204" pitchFamily="49" charset="0"/>
+                          <a:ea typeface="+mn-ea"/>
+                          <a:cs typeface="+mn-cs"/>
+                        </a:rPr>
+                        <a:t>01</a:t>
+                      </a:r>
+                      <a:r>
+                        <a:rPr lang="de-CH" dirty="0"/>
+                        <a:t>: </a:t>
+                      </a:r>
+                      <a:r>
+                        <a:rPr lang="de-CH" dirty="0" err="1"/>
+                        <a:t>build</a:t>
+                      </a:r>
+                      <a:r>
+                        <a:rPr lang="de-CH" dirty="0"/>
+                        <a:t> </a:t>
+                      </a:r>
+                      <a:r>
+                        <a:rPr lang="de-CH" dirty="0" err="1"/>
+                        <a:t>fixing</a:t>
+                      </a:r>
+                      <a:r>
+                        <a:rPr lang="de-CH" dirty="0"/>
+                        <a:t> </a:t>
+                      </a:r>
+                      <a:r>
+                        <a:rPr lang="de-CH" dirty="0" err="1"/>
+                        <a:t>committment</a:t>
+                      </a:r>
+                      <a:endParaRPr lang="de-CH" dirty="0"/>
+                    </a:p>
+                  </a:txBody>
+                  <a:tcPr/>
+                </a:tc>
+                <a:extLst>
+                  <a:ext uri="{0D108BD9-81ED-4DB2-BD59-A6C34878D82A}">
+                    <a16:rowId xmlns:a16="http://schemas.microsoft.com/office/drawing/2014/main" val="3864641516"/>
+                  </a:ext>
+                </a:extLst>
+              </a:tr>
+            </a:tbl>
+          </a:graphicData>
+        </a:graphic>
+      </p:graphicFrame>
+      <p:graphicFrame>
+        <p:nvGraphicFramePr>
+          <p:cNvPr id="6" name="Table 5">
+            <a:extLst>
+              <a:ext uri="{FF2B5EF4-FFF2-40B4-BE49-F238E27FC236}">
+                <a16:creationId xmlns:a16="http://schemas.microsoft.com/office/drawing/2014/main" id="{9BBD897F-3163-4FCE-823B-3AAB5F52D49F}"/>
+              </a:ext>
+            </a:extLst>
+          </p:cNvPr>
+          <p:cNvGraphicFramePr>
+            <a:graphicFrameLocks noGrp="1"/>
+          </p:cNvGraphicFramePr>
+          <p:nvPr>
+            <p:extLst>
+              <p:ext uri="{D42A27DB-BD31-4B8C-83A1-F6EECF244321}">
+                <p14:modId xmlns:p14="http://schemas.microsoft.com/office/powerpoint/2010/main" val="3415156758"/>
+              </p:ext>
+            </p:extLst>
+          </p:nvPr>
+        </p:nvGraphicFramePr>
+        <p:xfrm>
+          <a:off x="838200" y="4152407"/>
+          <a:ext cx="5008743" cy="1752600"/>
+        </p:xfrm>
+        <a:graphic>
+          <a:graphicData uri="http://schemas.openxmlformats.org/drawingml/2006/table">
+            <a:tbl>
+              <a:tblPr firstRow="1" bandRow="1">
+                <a:tableStyleId>{5C22544A-7EE6-4342-B048-85BDC9FD1C3A}</a:tableStyleId>
+              </a:tblPr>
+              <a:tblGrid>
+                <a:gridCol w="983226">
+                  <a:extLst>
+                    <a:ext uri="{9D8B030D-6E8A-4147-A177-3AD203B41FA5}">
+                      <a16:colId xmlns:a16="http://schemas.microsoft.com/office/drawing/2014/main" val="1248466233"/>
+                    </a:ext>
+                  </a:extLst>
+                </a:gridCol>
+                <a:gridCol w="4025517">
+                  <a:extLst>
+                    <a:ext uri="{9D8B030D-6E8A-4147-A177-3AD203B41FA5}">
+                      <a16:colId xmlns:a16="http://schemas.microsoft.com/office/drawing/2014/main" val="3120331911"/>
+                    </a:ext>
+                  </a:extLst>
+                </a:gridCol>
+              </a:tblGrid>
+              <a:tr h="370840">
+                <a:tc gridSpan="2">
+                  <a:txBody>
+                    <a:bodyPr/>
+                    <a:lstStyle/>
+                    <a:p>
+                      <a:pPr marL="0" marR="0" lvl="0" indent="0" algn="l" defTabSz="914400" rtl="0" eaLnBrk="1" fontAlgn="auto" latinLnBrk="0" hangingPunct="1">
+                        <a:lnSpc>
+                          <a:spcPct val="100000"/>
+                        </a:lnSpc>
+                        <a:spcBef>
+                          <a:spcPts val="0"/>
+                        </a:spcBef>
+                        <a:spcAft>
+                          <a:spcPts val="0"/>
+                        </a:spcAft>
+                        <a:buClrTx/>
+                        <a:buSzTx/>
+                        <a:buFontTx/>
+                        <a:buNone/>
+                        <a:tabLst/>
+                        <a:defRPr/>
+                      </a:pPr>
+                      <a:r>
+                        <a:rPr lang="de-CH" dirty="0"/>
+                        <a:t>MQTT </a:t>
+                      </a:r>
+                      <a:r>
+                        <a:rPr lang="de-CH" dirty="0" err="1"/>
+                        <a:t>topic</a:t>
+                      </a:r>
+                      <a:r>
+                        <a:rPr lang="de-CH" dirty="0"/>
+                        <a:t> /</a:t>
+                      </a:r>
+                      <a:r>
+                        <a:rPr lang="de-CH" dirty="0" err="1"/>
+                        <a:t>build</a:t>
+                      </a:r>
+                      <a:r>
+                        <a:rPr lang="de-CH" dirty="0"/>
+                        <a:t>-monitor/</a:t>
+                      </a:r>
+                      <a:r>
+                        <a:rPr lang="de-CH" dirty="0" err="1"/>
+                        <a:t>build</a:t>
+                      </a:r>
+                      <a:r>
+                        <a:rPr lang="de-CH" dirty="0"/>
+                        <a:t>-status</a:t>
+                      </a:r>
+                    </a:p>
+                    <a:p>
+                      <a:endParaRPr lang="de-CH" dirty="0"/>
+                    </a:p>
+                  </a:txBody>
+                  <a:tcPr/>
+                </a:tc>
+                <a:tc hMerge="1">
+                  <a:txBody>
+                    <a:bodyPr/>
+                    <a:lstStyle/>
+                    <a:p>
+                      <a:endParaRPr lang="de-CH" dirty="0"/>
+                    </a:p>
+                  </a:txBody>
+                  <a:tcPr/>
+                </a:tc>
+                <a:extLst>
+                  <a:ext uri="{0D108BD9-81ED-4DB2-BD59-A6C34878D82A}">
+                    <a16:rowId xmlns:a16="http://schemas.microsoft.com/office/drawing/2014/main" val="3132835098"/>
+                  </a:ext>
+                </a:extLst>
+              </a:tr>
+              <a:tr h="370840">
+                <a:tc>
+                  <a:txBody>
+                    <a:bodyPr/>
+                    <a:lstStyle/>
+                    <a:p>
+                      <a:pPr marL="0" marR="0" lvl="0" indent="0" algn="l" defTabSz="914400" rtl="0" eaLnBrk="1" fontAlgn="auto" latinLnBrk="0" hangingPunct="1">
+                        <a:lnSpc>
+                          <a:spcPct val="100000"/>
+                        </a:lnSpc>
+                        <a:spcBef>
+                          <a:spcPts val="0"/>
+                        </a:spcBef>
+                        <a:spcAft>
+                          <a:spcPts val="0"/>
+                        </a:spcAft>
+                        <a:buClrTx/>
+                        <a:buSzTx/>
+                        <a:buFontTx/>
+                        <a:buNone/>
+                        <a:tabLst/>
+                        <a:defRPr/>
+                      </a:pPr>
+                      <a:r>
+                        <a:rPr lang="de-CH" sz="1800" kern="1200" dirty="0">
+                          <a:solidFill>
+                            <a:schemeClr val="dk1"/>
+                          </a:solidFill>
+                          <a:latin typeface="Consolas" panose="020B0609020204030204" pitchFamily="49" charset="0"/>
+                          <a:ea typeface="+mn-ea"/>
+                          <a:cs typeface="+mn-cs"/>
+                        </a:rPr>
+                        <a:t>00</a:t>
+                      </a:r>
+                    </a:p>
+                  </a:txBody>
+                  <a:tcPr/>
+                </a:tc>
+                <a:tc>
+                  <a:txBody>
+                    <a:bodyPr/>
+                    <a:lstStyle/>
+                    <a:p>
+                      <a:r>
+                        <a:rPr lang="de-CH" dirty="0" err="1"/>
+                        <a:t>Build</a:t>
+                      </a:r>
+                      <a:r>
+                        <a:rPr lang="de-CH" dirty="0"/>
+                        <a:t> </a:t>
+                      </a:r>
+                      <a:r>
+                        <a:rPr lang="de-CH" dirty="0" err="1"/>
+                        <a:t>success</a:t>
+                      </a:r>
+                      <a:endParaRPr lang="de-CH" dirty="0"/>
+                    </a:p>
+                  </a:txBody>
+                  <a:tcPr/>
+                </a:tc>
+                <a:extLst>
+                  <a:ext uri="{0D108BD9-81ED-4DB2-BD59-A6C34878D82A}">
+                    <a16:rowId xmlns:a16="http://schemas.microsoft.com/office/drawing/2014/main" val="2286387320"/>
+                  </a:ext>
+                </a:extLst>
+              </a:tr>
+              <a:tr h="370840">
+                <a:tc>
+                  <a:txBody>
+                    <a:bodyPr/>
+                    <a:lstStyle/>
+                    <a:p>
+                      <a:pPr marL="0" marR="0" lvl="0" indent="0" algn="l" defTabSz="914400" rtl="0" eaLnBrk="1" fontAlgn="auto" latinLnBrk="0" hangingPunct="1">
+                        <a:lnSpc>
+                          <a:spcPct val="100000"/>
+                        </a:lnSpc>
+                        <a:spcBef>
+                          <a:spcPts val="0"/>
+                        </a:spcBef>
+                        <a:spcAft>
+                          <a:spcPts val="0"/>
+                        </a:spcAft>
+                        <a:buClrTx/>
+                        <a:buSzTx/>
+                        <a:buFontTx/>
+                        <a:buNone/>
+                        <a:tabLst/>
+                        <a:defRPr/>
+                      </a:pPr>
+                      <a:r>
+                        <a:rPr lang="de-CH" sz="1800" kern="1200" dirty="0">
+                          <a:solidFill>
+                            <a:schemeClr val="dk1"/>
+                          </a:solidFill>
+                          <a:latin typeface="Consolas" panose="020B0609020204030204" pitchFamily="49" charset="0"/>
+                          <a:ea typeface="+mn-ea"/>
+                          <a:cs typeface="+mn-cs"/>
+                        </a:rPr>
+                        <a:t>01</a:t>
+                      </a:r>
+                    </a:p>
+                  </a:txBody>
+                  <a:tcPr/>
+                </a:tc>
+                <a:tc>
+                  <a:txBody>
+                    <a:bodyPr/>
+                    <a:lstStyle/>
+                    <a:p>
+                      <a:r>
+                        <a:rPr lang="de-CH" dirty="0" err="1"/>
+                        <a:t>Build</a:t>
+                      </a:r>
+                      <a:r>
+                        <a:rPr lang="de-CH" dirty="0"/>
+                        <a:t> </a:t>
+                      </a:r>
+                      <a:r>
+                        <a:rPr lang="de-CH" dirty="0" err="1"/>
+                        <a:t>failed</a:t>
+                      </a:r>
+                      <a:endParaRPr lang="de-CH" dirty="0"/>
+                    </a:p>
+                  </a:txBody>
+                  <a:tcPr/>
+                </a:tc>
+                <a:extLst>
+                  <a:ext uri="{0D108BD9-81ED-4DB2-BD59-A6C34878D82A}">
+                    <a16:rowId xmlns:a16="http://schemas.microsoft.com/office/drawing/2014/main" val="3864641516"/>
+                  </a:ext>
+                </a:extLst>
+              </a:tr>
+              <a:tr h="370840">
+                <a:tc>
+                  <a:txBody>
+                    <a:bodyPr/>
+                    <a:lstStyle/>
+                    <a:p>
+                      <a:pPr marL="0" marR="0" lvl="0" indent="0" algn="l" defTabSz="914400" rtl="0" eaLnBrk="1" fontAlgn="auto" latinLnBrk="0" hangingPunct="1">
+                        <a:lnSpc>
+                          <a:spcPct val="100000"/>
+                        </a:lnSpc>
+                        <a:spcBef>
+                          <a:spcPts val="0"/>
+                        </a:spcBef>
+                        <a:spcAft>
+                          <a:spcPts val="0"/>
+                        </a:spcAft>
+                        <a:buClrTx/>
+                        <a:buSzTx/>
+                        <a:buFontTx/>
+                        <a:buNone/>
+                        <a:tabLst/>
+                        <a:defRPr/>
+                      </a:pPr>
+                      <a:r>
+                        <a:rPr lang="de-CH" sz="1800" kern="1200" dirty="0">
+                          <a:solidFill>
+                            <a:schemeClr val="dk1"/>
+                          </a:solidFill>
+                          <a:latin typeface="Consolas" panose="020B0609020204030204" pitchFamily="49" charset="0"/>
+                          <a:ea typeface="+mn-ea"/>
+                          <a:cs typeface="+mn-cs"/>
+                        </a:rPr>
+                        <a:t>02</a:t>
+                      </a:r>
+                    </a:p>
+                  </a:txBody>
+                  <a:tcPr/>
+                </a:tc>
+                <a:tc>
+                  <a:txBody>
+                    <a:bodyPr/>
+                    <a:lstStyle/>
+                    <a:p>
+                      <a:r>
+                        <a:rPr lang="de-CH" dirty="0" err="1"/>
+                        <a:t>Build</a:t>
+                      </a:r>
+                      <a:r>
+                        <a:rPr lang="de-CH" dirty="0"/>
+                        <a:t> fix </a:t>
+                      </a:r>
+                      <a:r>
+                        <a:rPr lang="de-CH" dirty="0" err="1"/>
+                        <a:t>awaiting</a:t>
+                      </a:r>
+                      <a:endParaRPr lang="de-CH" dirty="0"/>
+                    </a:p>
+                  </a:txBody>
+                  <a:tcPr/>
+                </a:tc>
+                <a:extLst>
+                  <a:ext uri="{0D108BD9-81ED-4DB2-BD59-A6C34878D82A}">
+                    <a16:rowId xmlns:a16="http://schemas.microsoft.com/office/drawing/2014/main" val="1549854438"/>
+                  </a:ext>
+                </a:extLst>
+              </a:tr>
+            </a:tbl>
+          </a:graphicData>
+        </a:graphic>
+      </p:graphicFrame>
+      <p:graphicFrame>
+        <p:nvGraphicFramePr>
+          <p:cNvPr id="9" name="Table 8">
+            <a:extLst>
+              <a:ext uri="{FF2B5EF4-FFF2-40B4-BE49-F238E27FC236}">
+                <a16:creationId xmlns:a16="http://schemas.microsoft.com/office/drawing/2014/main" id="{C9FFF3F7-47EA-415A-AA43-AF3D08EE34CF}"/>
+              </a:ext>
+            </a:extLst>
+          </p:cNvPr>
+          <p:cNvGraphicFramePr>
+            <a:graphicFrameLocks noGrp="1"/>
+          </p:cNvGraphicFramePr>
+          <p:nvPr>
+            <p:extLst>
+              <p:ext uri="{D42A27DB-BD31-4B8C-83A1-F6EECF244321}">
+                <p14:modId xmlns:p14="http://schemas.microsoft.com/office/powerpoint/2010/main" val="1523791573"/>
+              </p:ext>
+            </p:extLst>
+          </p:nvPr>
+        </p:nvGraphicFramePr>
+        <p:xfrm>
+          <a:off x="6345058" y="1690687"/>
+          <a:ext cx="5008741" cy="1925320"/>
+        </p:xfrm>
+        <a:graphic>
+          <a:graphicData uri="http://schemas.openxmlformats.org/drawingml/2006/table">
+            <a:tbl>
+              <a:tblPr firstRow="1" bandRow="1">
+                <a:tableStyleId>{5C22544A-7EE6-4342-B048-85BDC9FD1C3A}</a:tableStyleId>
+              </a:tblPr>
+              <a:tblGrid>
+                <a:gridCol w="2982381">
+                  <a:extLst>
+                    <a:ext uri="{9D8B030D-6E8A-4147-A177-3AD203B41FA5}">
+                      <a16:colId xmlns:a16="http://schemas.microsoft.com/office/drawing/2014/main" val="2529177794"/>
+                    </a:ext>
+                  </a:extLst>
+                </a:gridCol>
+                <a:gridCol w="2026360">
+                  <a:extLst>
+                    <a:ext uri="{9D8B030D-6E8A-4147-A177-3AD203B41FA5}">
+                      <a16:colId xmlns:a16="http://schemas.microsoft.com/office/drawing/2014/main" val="1248466233"/>
+                    </a:ext>
+                  </a:extLst>
+                </a:gridCol>
+              </a:tblGrid>
+              <a:tr h="399350">
+                <a:tc gridSpan="2">
+                  <a:txBody>
+                    <a:bodyPr/>
+                    <a:lstStyle/>
+                    <a:p>
+                      <a:r>
+                        <a:rPr lang="de-CH" dirty="0"/>
+                        <a:t>Google Cloud </a:t>
+                      </a:r>
+                      <a:r>
+                        <a:rPr lang="de-CH" dirty="0" err="1"/>
+                        <a:t>Function</a:t>
+                      </a:r>
+                      <a:r>
+                        <a:rPr lang="de-CH" dirty="0"/>
+                        <a:t> </a:t>
+                      </a:r>
+                    </a:p>
+                  </a:txBody>
+                  <a:tcPr/>
+                </a:tc>
+                <a:tc hMerge="1">
+                  <a:txBody>
+                    <a:bodyPr/>
+                    <a:lstStyle/>
+                    <a:p>
+                      <a:endParaRPr lang="de-CH" dirty="0"/>
+                    </a:p>
+                  </a:txBody>
+                  <a:tcPr/>
+                </a:tc>
+                <a:extLst>
+                  <a:ext uri="{0D108BD9-81ED-4DB2-BD59-A6C34878D82A}">
+                    <a16:rowId xmlns:a16="http://schemas.microsoft.com/office/drawing/2014/main" val="3132835098"/>
+                  </a:ext>
+                </a:extLst>
+              </a:tr>
+              <a:tr h="762985">
+                <a:tc>
+                  <a:txBody>
+                    <a:bodyPr/>
+                    <a:lstStyle/>
+                    <a:p>
+                      <a:pPr marL="0" marR="0" lvl="0" indent="0" algn="l" defTabSz="914400" rtl="0" eaLnBrk="1" fontAlgn="auto" latinLnBrk="0" hangingPunct="1">
+                        <a:lnSpc>
+                          <a:spcPct val="100000"/>
+                        </a:lnSpc>
+                        <a:spcBef>
+                          <a:spcPts val="0"/>
+                        </a:spcBef>
+                        <a:spcAft>
+                          <a:spcPts val="0"/>
+                        </a:spcAft>
+                        <a:buClrTx/>
+                        <a:buSzTx/>
+                        <a:buFontTx/>
+                        <a:buNone/>
+                        <a:tabLst/>
+                        <a:defRPr/>
+                      </a:pPr>
+                      <a:r>
+                        <a:rPr lang="de-CH" sz="1800" kern="1200" dirty="0" err="1">
+                          <a:solidFill>
+                            <a:schemeClr val="dk1"/>
+                          </a:solidFill>
+                          <a:latin typeface="Consolas" panose="020B0609020204030204" pitchFamily="49" charset="0"/>
+                          <a:ea typeface="+mn-ea"/>
+                          <a:cs typeface="+mn-cs"/>
+                        </a:rPr>
+                        <a:t>success</a:t>
+                      </a:r>
+                      <a:r>
+                        <a:rPr lang="de-CH" sz="1800" kern="1200" dirty="0">
+                          <a:solidFill>
+                            <a:schemeClr val="dk1"/>
+                          </a:solidFill>
+                          <a:latin typeface="+mn-lt"/>
+                          <a:ea typeface="+mn-ea"/>
+                          <a:cs typeface="+mn-cs"/>
+                        </a:rPr>
+                        <a:t> (POST Request)</a:t>
+                      </a:r>
+                    </a:p>
+                  </a:txBody>
+                  <a:tcPr/>
+                </a:tc>
+                <a:tc>
+                  <a:txBody>
+                    <a:bodyPr/>
+                    <a:lstStyle/>
+                    <a:p>
+                      <a:pPr marL="0" marR="0" lvl="0" indent="0" algn="l" defTabSz="914400" rtl="0" eaLnBrk="1" fontAlgn="auto" latinLnBrk="0" hangingPunct="1">
+                        <a:lnSpc>
+                          <a:spcPct val="100000"/>
+                        </a:lnSpc>
+                        <a:spcBef>
+                          <a:spcPts val="0"/>
+                        </a:spcBef>
+                        <a:spcAft>
+                          <a:spcPts val="0"/>
+                        </a:spcAft>
+                        <a:buClrTx/>
+                        <a:buSzTx/>
+                        <a:buFontTx/>
+                        <a:buNone/>
+                        <a:tabLst/>
+                        <a:defRPr/>
+                      </a:pPr>
+                      <a:r>
+                        <a:rPr lang="de-CH" dirty="0"/>
+                        <a:t>Publish </a:t>
+                      </a:r>
+                      <a:r>
+                        <a:rPr lang="de-CH" dirty="0" err="1"/>
+                        <a:t>build</a:t>
+                      </a:r>
+                      <a:r>
+                        <a:rPr lang="de-CH" dirty="0"/>
+                        <a:t> </a:t>
+                      </a:r>
+                      <a:r>
+                        <a:rPr lang="de-CH" dirty="0" err="1"/>
+                        <a:t>success</a:t>
+                      </a:r>
+                      <a:endParaRPr lang="de-CH" dirty="0"/>
+                    </a:p>
+                  </a:txBody>
+                  <a:tcPr/>
+                </a:tc>
+                <a:extLst>
+                  <a:ext uri="{0D108BD9-81ED-4DB2-BD59-A6C34878D82A}">
+                    <a16:rowId xmlns:a16="http://schemas.microsoft.com/office/drawing/2014/main" val="2286387320"/>
+                  </a:ext>
+                </a:extLst>
+              </a:tr>
+              <a:tr h="762985">
+                <a:tc>
+                  <a:txBody>
+                    <a:bodyPr/>
+                    <a:lstStyle/>
+                    <a:p>
+                      <a:pPr marL="0" marR="0" lvl="0" indent="0" algn="l" defTabSz="914400" rtl="0" eaLnBrk="1" fontAlgn="auto" latinLnBrk="0" hangingPunct="1">
+                        <a:lnSpc>
+                          <a:spcPct val="100000"/>
+                        </a:lnSpc>
+                        <a:spcBef>
+                          <a:spcPts val="0"/>
+                        </a:spcBef>
+                        <a:spcAft>
+                          <a:spcPts val="0"/>
+                        </a:spcAft>
+                        <a:buClrTx/>
+                        <a:buSzTx/>
+                        <a:buFontTx/>
+                        <a:buNone/>
+                        <a:tabLst/>
+                        <a:defRPr/>
+                      </a:pPr>
+                      <a:r>
+                        <a:rPr lang="de-CH" sz="1800" kern="1200" dirty="0" err="1">
+                          <a:solidFill>
+                            <a:schemeClr val="dk1"/>
+                          </a:solidFill>
+                          <a:latin typeface="Consolas" panose="020B0609020204030204" pitchFamily="49" charset="0"/>
+                          <a:ea typeface="+mn-ea"/>
+                          <a:cs typeface="+mn-cs"/>
+                        </a:rPr>
+                        <a:t>failed</a:t>
+                      </a:r>
+                      <a:r>
+                        <a:rPr lang="de-CH" sz="1800" kern="1200" dirty="0">
+                          <a:solidFill>
+                            <a:schemeClr val="dk1"/>
+                          </a:solidFill>
+                          <a:latin typeface="+mn-lt"/>
+                          <a:ea typeface="+mn-ea"/>
+                          <a:cs typeface="+mn-cs"/>
+                        </a:rPr>
+                        <a:t> (POST Request)</a:t>
+                      </a:r>
+                      <a:endParaRPr lang="de-CH" sz="1800" kern="1200" dirty="0">
+                        <a:solidFill>
+                          <a:schemeClr val="dk1"/>
+                        </a:solidFill>
+                        <a:latin typeface="Consolas" panose="020B0609020204030204" pitchFamily="49" charset="0"/>
+                        <a:ea typeface="+mn-ea"/>
+                        <a:cs typeface="+mn-cs"/>
+                      </a:endParaRPr>
+                    </a:p>
+                  </a:txBody>
+                  <a:tcPr/>
+                </a:tc>
+                <a:tc>
+                  <a:txBody>
+                    <a:bodyPr/>
+                    <a:lstStyle/>
+                    <a:p>
+                      <a:pPr marL="0" marR="0" lvl="0" indent="0" algn="l" defTabSz="914400" rtl="0" eaLnBrk="1" fontAlgn="auto" latinLnBrk="0" hangingPunct="1">
+                        <a:lnSpc>
+                          <a:spcPct val="100000"/>
+                        </a:lnSpc>
+                        <a:spcBef>
+                          <a:spcPts val="0"/>
+                        </a:spcBef>
+                        <a:spcAft>
+                          <a:spcPts val="0"/>
+                        </a:spcAft>
+                        <a:buClrTx/>
+                        <a:buSzTx/>
+                        <a:buFontTx/>
+                        <a:buNone/>
+                        <a:tabLst/>
+                        <a:defRPr/>
+                      </a:pPr>
+                      <a:r>
+                        <a:rPr lang="de-CH" dirty="0"/>
+                        <a:t>Publish </a:t>
+                      </a:r>
+                      <a:r>
+                        <a:rPr lang="de-CH" dirty="0" err="1"/>
+                        <a:t>build</a:t>
+                      </a:r>
+                      <a:r>
+                        <a:rPr lang="de-CH" dirty="0"/>
+                        <a:t> </a:t>
+                      </a:r>
+                      <a:r>
+                        <a:rPr lang="de-CH" dirty="0" err="1"/>
+                        <a:t>failure</a:t>
+                      </a:r>
+                      <a:endParaRPr lang="de-CH" dirty="0"/>
+                    </a:p>
+                  </a:txBody>
+                  <a:tcPr/>
+                </a:tc>
+                <a:extLst>
+                  <a:ext uri="{0D108BD9-81ED-4DB2-BD59-A6C34878D82A}">
+                    <a16:rowId xmlns:a16="http://schemas.microsoft.com/office/drawing/2014/main" val="3864641516"/>
+                  </a:ext>
+                </a:extLst>
+              </a:tr>
+            </a:tbl>
+          </a:graphicData>
+        </a:graphic>
+      </p:graphicFrame>
     </p:spTree>
     <p:extLst>
       <p:ext uri="{BB962C8B-B14F-4D97-AF65-F5344CB8AC3E}">
@@ -4007,7 +4943,7 @@
           <p:cNvPr id="2" name="Title 1">
             <a:extLst>
               <a:ext uri="{FF2B5EF4-FFF2-40B4-BE49-F238E27FC236}">
-                <a16:creationId xmlns:a16="http://schemas.microsoft.com/office/drawing/2014/main" xmlns="" id="{9ADDA7EE-C7F8-4424-8587-AF1A11AD74C4}"/>
+                <a16:creationId xmlns:a16="http://schemas.microsoft.com/office/drawing/2014/main" id="{9ADDA7EE-C7F8-4424-8587-AF1A11AD74C4}"/>
               </a:ext>
             </a:extLst>
           </p:cNvPr>
@@ -4036,7 +4972,7 @@
           <p:cNvPr id="3" name="Content Placeholder 2">
             <a:extLst>
               <a:ext uri="{FF2B5EF4-FFF2-40B4-BE49-F238E27FC236}">
-                <a16:creationId xmlns:a16="http://schemas.microsoft.com/office/drawing/2014/main" xmlns="" id="{A33267C2-0839-4A5D-A91B-9D4DCA23C6EB}"/>
+                <a16:creationId xmlns:a16="http://schemas.microsoft.com/office/drawing/2014/main" id="{A33267C2-0839-4A5D-A91B-9D4DCA23C6EB}"/>
               </a:ext>
             </a:extLst>
           </p:cNvPr>
@@ -4052,7 +4988,85 @@
           <a:bodyPr/>
           <a:lstStyle/>
           <a:p>
-            <a:endParaRPr lang="de-CH"/>
+            <a:r>
+              <a:rPr lang="de-CH" dirty="0"/>
+              <a:t>ESP </a:t>
+            </a:r>
+            <a:r>
+              <a:rPr lang="de-CH" dirty="0" err="1"/>
+              <a:t>with</a:t>
+            </a:r>
+            <a:r>
+              <a:rPr lang="de-CH" dirty="0"/>
+              <a:t> </a:t>
+            </a:r>
+            <a:r>
+              <a:rPr lang="de-CH" dirty="0" err="1"/>
+              <a:t>Glove</a:t>
+            </a:r>
+            <a:r>
+              <a:rPr lang="de-CH" dirty="0"/>
+              <a:t> Shield</a:t>
+            </a:r>
+          </a:p>
+          <a:p>
+            <a:endParaRPr lang="de-CH" dirty="0"/>
+          </a:p>
+          <a:p>
+            <a:r>
+              <a:rPr lang="de-CH" dirty="0"/>
+              <a:t>Interfaces</a:t>
+            </a:r>
+          </a:p>
+          <a:p>
+            <a:pPr lvl="1"/>
+            <a:r>
+              <a:rPr lang="de-CH" dirty="0"/>
+              <a:t>1 BLE Service </a:t>
+            </a:r>
+            <a:r>
+              <a:rPr lang="de-CH" dirty="0" err="1"/>
+              <a:t>with</a:t>
+            </a:r>
+            <a:r>
+              <a:rPr lang="de-CH" dirty="0"/>
+              <a:t> </a:t>
+            </a:r>
+            <a:r>
+              <a:rPr lang="de-CH" dirty="0" err="1"/>
+              <a:t>Characteristics</a:t>
+            </a:r>
+            <a:r>
+              <a:rPr lang="de-CH" dirty="0"/>
+              <a:t> vs. 2 BLE Services</a:t>
+            </a:r>
+          </a:p>
+          <a:p>
+            <a:pPr lvl="1"/>
+            <a:endParaRPr lang="de-CH" dirty="0"/>
+          </a:p>
+          <a:p>
+            <a:r>
+              <a:rPr lang="de-CH" dirty="0" err="1"/>
+              <a:t>Get</a:t>
+            </a:r>
+            <a:r>
+              <a:rPr lang="de-CH" dirty="0"/>
+              <a:t> </a:t>
+            </a:r>
+            <a:r>
+              <a:rPr lang="de-CH" dirty="0" err="1"/>
+              <a:t>Chainable</a:t>
+            </a:r>
+            <a:r>
+              <a:rPr lang="de-CH" dirty="0"/>
+              <a:t> LED </a:t>
+            </a:r>
+            <a:r>
+              <a:rPr lang="de-CH" dirty="0" err="1"/>
+              <a:t>working</a:t>
+            </a:r>
+            <a:endParaRPr lang="de-CH" dirty="0"/>
           </a:p>
         </p:txBody>
       </p:sp>
